--- a/Thesis/Presentation/Výkonové profilování na platformě.pptx
+++ b/Thesis/Presentation/Výkonové profilování na platformě.pptx
@@ -5,10 +5,10 @@
     <p:sldMasterId id="2147483664" r:id="rId2"/>
   </p:sldMasterIdLst>
   <p:notesMasterIdLst>
-    <p:notesMasterId r:id="rId11"/>
+    <p:notesMasterId r:id="rId17"/>
   </p:notesMasterIdLst>
   <p:handoutMasterIdLst>
-    <p:handoutMasterId r:id="rId12"/>
+    <p:handoutMasterId r:id="rId18"/>
   </p:handoutMasterIdLst>
   <p:sldIdLst>
     <p:sldId id="256" r:id="rId3"/>
@@ -19,6 +19,12 @@
     <p:sldId id="271" r:id="rId8"/>
     <p:sldId id="272" r:id="rId9"/>
     <p:sldId id="273" r:id="rId10"/>
+    <p:sldId id="274" r:id="rId11"/>
+    <p:sldId id="275" r:id="rId12"/>
+    <p:sldId id="276" r:id="rId13"/>
+    <p:sldId id="277" r:id="rId14"/>
+    <p:sldId id="279" r:id="rId15"/>
+    <p:sldId id="278" r:id="rId16"/>
   </p:sldIdLst>
   <p:sldSz cx="9144000" cy="6858000" type="screen4x3"/>
   <p:notesSz cx="6858000" cy="9144000"/>
@@ -2215,6 +2221,13 @@
         </dgm:presLayoutVars>
       </dgm:prSet>
       <dgm:spPr/>
+      <dgm:t>
+        <a:bodyPr/>
+        <a:lstStyle/>
+        <a:p>
+          <a:endParaRPr lang="cs-CZ"/>
+        </a:p>
+      </dgm:t>
     </dgm:pt>
     <dgm:pt modelId="{FD162C62-2EF6-41E8-9AA8-FA2A1A8FD196}" type="pres">
       <dgm:prSet presAssocID="{DABEB6FC-CB0D-49D9-A13A-449CDEABFD9E}" presName="vertFlow" presStyleCnt="0"/>
@@ -2234,6 +2247,13 @@
     <dgm:pt modelId="{EF609D06-A8B0-4F5F-9F51-7F4255D1C1F0}" type="pres">
       <dgm:prSet presAssocID="{21132A8A-1EBA-4063-9AFC-7A80F7EEACCD}" presName="parTrans" presStyleLbl="sibTrans2D1" presStyleIdx="0" presStyleCnt="6"/>
       <dgm:spPr/>
+      <dgm:t>
+        <a:bodyPr/>
+        <a:lstStyle/>
+        <a:p>
+          <a:endParaRPr lang="cs-CZ"/>
+        </a:p>
+      </dgm:t>
     </dgm:pt>
     <dgm:pt modelId="{B97758EA-17B6-4EF0-BF22-010FB75AA0A2}" type="pres">
       <dgm:prSet presAssocID="{EAEF178B-6756-43B8-99F0-C21FF358D080}" presName="child" presStyleLbl="alignAccFollowNode1" presStyleIdx="0" presStyleCnt="6">
@@ -2254,6 +2274,13 @@
     <dgm:pt modelId="{D2B9B8CF-6F72-42AC-AC6A-C6C6A36A3598}" type="pres">
       <dgm:prSet presAssocID="{CBB58C78-2A97-4B6E-8A6F-85902C28CE36}" presName="sibTrans" presStyleLbl="sibTrans2D1" presStyleIdx="1" presStyleCnt="6"/>
       <dgm:spPr/>
+      <dgm:t>
+        <a:bodyPr/>
+        <a:lstStyle/>
+        <a:p>
+          <a:endParaRPr lang="cs-CZ"/>
+        </a:p>
+      </dgm:t>
     </dgm:pt>
     <dgm:pt modelId="{C2E7685E-8C19-48A9-BDC5-1F95FA7B9696}" type="pres">
       <dgm:prSet presAssocID="{BEA37728-C645-4C80-B8EE-91A8C2D6B972}" presName="child" presStyleLbl="alignAccFollowNode1" presStyleIdx="1" presStyleCnt="6">
@@ -2263,10 +2290,24 @@
         </dgm:presLayoutVars>
       </dgm:prSet>
       <dgm:spPr/>
+      <dgm:t>
+        <a:bodyPr/>
+        <a:lstStyle/>
+        <a:p>
+          <a:endParaRPr lang="cs-CZ"/>
+        </a:p>
+      </dgm:t>
     </dgm:pt>
     <dgm:pt modelId="{926FECFA-953C-415A-B0F9-BA4899E98B89}" type="pres">
       <dgm:prSet presAssocID="{57EB8F12-DD98-49BF-8681-95B316145CB4}" presName="sibTrans" presStyleLbl="sibTrans2D1" presStyleIdx="2" presStyleCnt="6"/>
       <dgm:spPr/>
+      <dgm:t>
+        <a:bodyPr/>
+        <a:lstStyle/>
+        <a:p>
+          <a:endParaRPr lang="cs-CZ"/>
+        </a:p>
+      </dgm:t>
     </dgm:pt>
     <dgm:pt modelId="{0528410C-C66F-4E05-A854-7B5EF2D86EF9}" type="pres">
       <dgm:prSet presAssocID="{A8FF7A79-0F02-4633-844F-021F201437FD}" presName="child" presStyleLbl="alignAccFollowNode1" presStyleIdx="2" presStyleCnt="6">
@@ -2306,6 +2347,13 @@
     <dgm:pt modelId="{42DBA450-2CDE-44F4-BEAE-0FF103BBB065}" type="pres">
       <dgm:prSet presAssocID="{0EA2FB40-4CED-47F9-B8C0-1C059EAF388E}" presName="parTrans" presStyleLbl="sibTrans2D1" presStyleIdx="3" presStyleCnt="6"/>
       <dgm:spPr/>
+      <dgm:t>
+        <a:bodyPr/>
+        <a:lstStyle/>
+        <a:p>
+          <a:endParaRPr lang="cs-CZ"/>
+        </a:p>
+      </dgm:t>
     </dgm:pt>
     <dgm:pt modelId="{A2BCC874-56E0-4F62-8D44-52D5C4771F54}" type="pres">
       <dgm:prSet presAssocID="{26AFEA52-6ED7-42BA-83EB-BD53F3D6EAC4}" presName="child" presStyleLbl="alignAccFollowNode1" presStyleIdx="3" presStyleCnt="6">
@@ -2326,6 +2374,13 @@
     <dgm:pt modelId="{90B6F80A-5D68-485A-93EC-B3EF86A841DA}" type="pres">
       <dgm:prSet presAssocID="{921BCA78-1D85-49C4-909A-2DFF8E45CBD6}" presName="sibTrans" presStyleLbl="sibTrans2D1" presStyleIdx="4" presStyleCnt="6"/>
       <dgm:spPr/>
+      <dgm:t>
+        <a:bodyPr/>
+        <a:lstStyle/>
+        <a:p>
+          <a:endParaRPr lang="cs-CZ"/>
+        </a:p>
+      </dgm:t>
     </dgm:pt>
     <dgm:pt modelId="{503810FD-D2EE-4193-8318-4844B909A3B1}" type="pres">
       <dgm:prSet presAssocID="{449AC729-5D14-4971-A96F-9A3260B9C32E}" presName="child" presStyleLbl="alignAccFollowNode1" presStyleIdx="4" presStyleCnt="6">
@@ -2335,10 +2390,24 @@
         </dgm:presLayoutVars>
       </dgm:prSet>
       <dgm:spPr/>
+      <dgm:t>
+        <a:bodyPr/>
+        <a:lstStyle/>
+        <a:p>
+          <a:endParaRPr lang="cs-CZ"/>
+        </a:p>
+      </dgm:t>
     </dgm:pt>
     <dgm:pt modelId="{7BF72D44-E6BE-4B89-A605-F1735702989F}" type="pres">
       <dgm:prSet presAssocID="{168BE1C8-09E9-4D0C-901B-7FA1FD076B06}" presName="sibTrans" presStyleLbl="sibTrans2D1" presStyleIdx="5" presStyleCnt="6"/>
       <dgm:spPr/>
+      <dgm:t>
+        <a:bodyPr/>
+        <a:lstStyle/>
+        <a:p>
+          <a:endParaRPr lang="cs-CZ"/>
+        </a:p>
+      </dgm:t>
     </dgm:pt>
     <dgm:pt modelId="{170CE83A-BB5C-43F0-85DB-67EEE91A72D0}" type="pres">
       <dgm:prSet presAssocID="{433DB8C3-56E5-4CC6-A210-D2530A806023}" presName="child" presStyleLbl="alignAccFollowNode1" presStyleIdx="5" presStyleCnt="6">
@@ -2348,32 +2417,39 @@
         </dgm:presLayoutVars>
       </dgm:prSet>
       <dgm:spPr/>
+      <dgm:t>
+        <a:bodyPr/>
+        <a:lstStyle/>
+        <a:p>
+          <a:endParaRPr lang="cs-CZ"/>
+        </a:p>
+      </dgm:t>
     </dgm:pt>
   </dgm:ptLst>
   <dgm:cxnLst>
-    <dgm:cxn modelId="{5182572A-868F-470D-97BB-2A4F0F36D7CB}" type="presOf" srcId="{0EA2FB40-4CED-47F9-B8C0-1C059EAF388E}" destId="{42DBA450-2CDE-44F4-BEAE-0FF103BBB065}" srcOrd="0" destOrd="0" presId="urn:microsoft.com/office/officeart/2005/8/layout/lProcess1"/>
+    <dgm:cxn modelId="{FE4B1F67-BA7F-48A3-AE99-3BB2C8AB805B}" type="presOf" srcId="{57EB8F12-DD98-49BF-8681-95B316145CB4}" destId="{926FECFA-953C-415A-B0F9-BA4899E98B89}" srcOrd="0" destOrd="0" presId="urn:microsoft.com/office/officeart/2005/8/layout/lProcess1"/>
+    <dgm:cxn modelId="{1AB4DB6A-8020-48DB-9F8E-91BD13F4CABB}" srcId="{D5747108-A03F-4138-B887-981B3EE50A48}" destId="{449AC729-5D14-4971-A96F-9A3260B9C32E}" srcOrd="1" destOrd="0" parTransId="{F043EEF0-AED9-42A5-B99D-8A94163C43CD}" sibTransId="{168BE1C8-09E9-4D0C-901B-7FA1FD076B06}"/>
     <dgm:cxn modelId="{CD765AB7-F2AB-427F-8518-A5B494A86CAC}" type="presOf" srcId="{26AFEA52-6ED7-42BA-83EB-BD53F3D6EAC4}" destId="{A2BCC874-56E0-4F62-8D44-52D5C4771F54}" srcOrd="0" destOrd="0" presId="urn:microsoft.com/office/officeart/2005/8/layout/lProcess1"/>
+    <dgm:cxn modelId="{74B66FA3-6B44-4633-8A67-85F1A5BA55E1}" srcId="{B58EB6F2-8C13-456B-AA51-FD4E175AB0CD}" destId="{DABEB6FC-CB0D-49D9-A13A-449CDEABFD9E}" srcOrd="0" destOrd="0" parTransId="{33DC662A-27A2-448D-86F4-EBBE44C80565}" sibTransId="{45EF0E2E-E026-47F3-B1C5-3843D01C1028}"/>
+    <dgm:cxn modelId="{C0D332B8-2C1C-4ADD-85F6-A152B7159A4D}" srcId="{D5747108-A03F-4138-B887-981B3EE50A48}" destId="{433DB8C3-56E5-4CC6-A210-D2530A806023}" srcOrd="2" destOrd="0" parTransId="{54F014CC-80AB-4047-92FC-856671E4F4FB}" sibTransId="{D5930590-F2FF-4542-AA54-1A9663997C25}"/>
     <dgm:cxn modelId="{D5F14876-1B86-42FB-A16C-C9CFD97A804E}" type="presOf" srcId="{EAEF178B-6756-43B8-99F0-C21FF358D080}" destId="{B97758EA-17B6-4EF0-BF22-010FB75AA0A2}" srcOrd="0" destOrd="0" presId="urn:microsoft.com/office/officeart/2005/8/layout/lProcess1"/>
+    <dgm:cxn modelId="{983B2507-3FA6-4AB7-8001-10121B4F585A}" type="presOf" srcId="{433DB8C3-56E5-4CC6-A210-D2530A806023}" destId="{170CE83A-BB5C-43F0-85DB-67EEE91A72D0}" srcOrd="0" destOrd="0" presId="urn:microsoft.com/office/officeart/2005/8/layout/lProcess1"/>
+    <dgm:cxn modelId="{83AAABCF-5837-46FA-AE6E-4C2F1339F695}" srcId="{DABEB6FC-CB0D-49D9-A13A-449CDEABFD9E}" destId="{BEA37728-C645-4C80-B8EE-91A8C2D6B972}" srcOrd="1" destOrd="0" parTransId="{EEB9BAC5-1EF8-4F62-95B8-01F2FD3CB513}" sibTransId="{57EB8F12-DD98-49BF-8681-95B316145CB4}"/>
+    <dgm:cxn modelId="{0B6777CE-4C90-475E-9FBC-8798F30B0B07}" type="presOf" srcId="{21132A8A-1EBA-4063-9AFC-7A80F7EEACCD}" destId="{EF609D06-A8B0-4F5F-9F51-7F4255D1C1F0}" srcOrd="0" destOrd="0" presId="urn:microsoft.com/office/officeart/2005/8/layout/lProcess1"/>
     <dgm:cxn modelId="{AA7EF159-3916-46AB-AC20-A7F12F95910E}" type="presOf" srcId="{CBB58C78-2A97-4B6E-8A6F-85902C28CE36}" destId="{D2B9B8CF-6F72-42AC-AC6A-C6C6A36A3598}" srcOrd="0" destOrd="0" presId="urn:microsoft.com/office/officeart/2005/8/layout/lProcess1"/>
-    <dgm:cxn modelId="{20C627A3-F069-4145-AD42-D366E0C1C0CC}" type="presOf" srcId="{BEA37728-C645-4C80-B8EE-91A8C2D6B972}" destId="{C2E7685E-8C19-48A9-BDC5-1F95FA7B9696}" srcOrd="0" destOrd="0" presId="urn:microsoft.com/office/officeart/2005/8/layout/lProcess1"/>
-    <dgm:cxn modelId="{1AB4DB6A-8020-48DB-9F8E-91BD13F4CABB}" srcId="{D5747108-A03F-4138-B887-981B3EE50A48}" destId="{449AC729-5D14-4971-A96F-9A3260B9C32E}" srcOrd="1" destOrd="0" parTransId="{F043EEF0-AED9-42A5-B99D-8A94163C43CD}" sibTransId="{168BE1C8-09E9-4D0C-901B-7FA1FD076B06}"/>
-    <dgm:cxn modelId="{9B94E8C8-77AB-442C-9DF0-BA62B91F3D82}" srcId="{DABEB6FC-CB0D-49D9-A13A-449CDEABFD9E}" destId="{EAEF178B-6756-43B8-99F0-C21FF358D080}" srcOrd="0" destOrd="0" parTransId="{21132A8A-1EBA-4063-9AFC-7A80F7EEACCD}" sibTransId="{CBB58C78-2A97-4B6E-8A6F-85902C28CE36}"/>
-    <dgm:cxn modelId="{C0D332B8-2C1C-4ADD-85F6-A152B7159A4D}" srcId="{D5747108-A03F-4138-B887-981B3EE50A48}" destId="{433DB8C3-56E5-4CC6-A210-D2530A806023}" srcOrd="2" destOrd="0" parTransId="{54F014CC-80AB-4047-92FC-856671E4F4FB}" sibTransId="{D5930590-F2FF-4542-AA54-1A9663997C25}"/>
-    <dgm:cxn modelId="{7C430EBE-F217-4AE7-BD7F-71AD6D4D37F1}" type="presOf" srcId="{B58EB6F2-8C13-456B-AA51-FD4E175AB0CD}" destId="{445410D9-895B-477C-9C3D-BE5C974796B5}" srcOrd="0" destOrd="0" presId="urn:microsoft.com/office/officeart/2005/8/layout/lProcess1"/>
+    <dgm:cxn modelId="{42BCF77E-D3B6-4576-944A-36B5CCE21F6B}" srcId="{B58EB6F2-8C13-456B-AA51-FD4E175AB0CD}" destId="{D5747108-A03F-4138-B887-981B3EE50A48}" srcOrd="1" destOrd="0" parTransId="{1EA7559E-244E-48E4-BED5-AEED435ADBE8}" sibTransId="{46C3C6F0-EFAE-4C9A-A354-ED51DE02A92E}"/>
     <dgm:cxn modelId="{EE3D595E-5D15-48C0-B665-D3C948B4CDE8}" type="presOf" srcId="{168BE1C8-09E9-4D0C-901B-7FA1FD076B06}" destId="{7BF72D44-E6BE-4B89-A605-F1735702989F}" srcOrd="0" destOrd="0" presId="urn:microsoft.com/office/officeart/2005/8/layout/lProcess1"/>
-    <dgm:cxn modelId="{38B61901-FA34-4C0A-A840-3E9326B456D8}" type="presOf" srcId="{D5747108-A03F-4138-B887-981B3EE50A48}" destId="{FB96D6D5-3D72-4539-BC59-436B3859B6E8}" srcOrd="0" destOrd="0" presId="urn:microsoft.com/office/officeart/2005/8/layout/lProcess1"/>
     <dgm:cxn modelId="{D79CC62F-B79C-4D53-A3AD-7E6266D63A0B}" type="presOf" srcId="{449AC729-5D14-4971-A96F-9A3260B9C32E}" destId="{503810FD-D2EE-4193-8318-4844B909A3B1}" srcOrd="0" destOrd="0" presId="urn:microsoft.com/office/officeart/2005/8/layout/lProcess1"/>
     <dgm:cxn modelId="{2D1353C1-AFEB-432F-A3CB-6BBA4E294CB4}" srcId="{D5747108-A03F-4138-B887-981B3EE50A48}" destId="{26AFEA52-6ED7-42BA-83EB-BD53F3D6EAC4}" srcOrd="0" destOrd="0" parTransId="{0EA2FB40-4CED-47F9-B8C0-1C059EAF388E}" sibTransId="{921BCA78-1D85-49C4-909A-2DFF8E45CBD6}"/>
-    <dgm:cxn modelId="{0B6777CE-4C90-475E-9FBC-8798F30B0B07}" type="presOf" srcId="{21132A8A-1EBA-4063-9AFC-7A80F7EEACCD}" destId="{EF609D06-A8B0-4F5F-9F51-7F4255D1C1F0}" srcOrd="0" destOrd="0" presId="urn:microsoft.com/office/officeart/2005/8/layout/lProcess1"/>
+    <dgm:cxn modelId="{7C430EBE-F217-4AE7-BD7F-71AD6D4D37F1}" type="presOf" srcId="{B58EB6F2-8C13-456B-AA51-FD4E175AB0CD}" destId="{445410D9-895B-477C-9C3D-BE5C974796B5}" srcOrd="0" destOrd="0" presId="urn:microsoft.com/office/officeart/2005/8/layout/lProcess1"/>
+    <dgm:cxn modelId="{38B61901-FA34-4C0A-A840-3E9326B456D8}" type="presOf" srcId="{D5747108-A03F-4138-B887-981B3EE50A48}" destId="{FB96D6D5-3D72-4539-BC59-436B3859B6E8}" srcOrd="0" destOrd="0" presId="urn:microsoft.com/office/officeart/2005/8/layout/lProcess1"/>
     <dgm:cxn modelId="{35A3DA13-8220-461D-90BC-0A9997566FB3}" type="presOf" srcId="{A8FF7A79-0F02-4633-844F-021F201437FD}" destId="{0528410C-C66F-4E05-A854-7B5EF2D86EF9}" srcOrd="0" destOrd="0" presId="urn:microsoft.com/office/officeart/2005/8/layout/lProcess1"/>
-    <dgm:cxn modelId="{83AAABCF-5837-46FA-AE6E-4C2F1339F695}" srcId="{DABEB6FC-CB0D-49D9-A13A-449CDEABFD9E}" destId="{BEA37728-C645-4C80-B8EE-91A8C2D6B972}" srcOrd="1" destOrd="0" parTransId="{EEB9BAC5-1EF8-4F62-95B8-01F2FD3CB513}" sibTransId="{57EB8F12-DD98-49BF-8681-95B316145CB4}"/>
-    <dgm:cxn modelId="{FE4B1F67-BA7F-48A3-AE99-3BB2C8AB805B}" type="presOf" srcId="{57EB8F12-DD98-49BF-8681-95B316145CB4}" destId="{926FECFA-953C-415A-B0F9-BA4899E98B89}" srcOrd="0" destOrd="0" presId="urn:microsoft.com/office/officeart/2005/8/layout/lProcess1"/>
     <dgm:cxn modelId="{C52714CE-3213-4F25-A4FD-D1B1B5903696}" srcId="{DABEB6FC-CB0D-49D9-A13A-449CDEABFD9E}" destId="{A8FF7A79-0F02-4633-844F-021F201437FD}" srcOrd="2" destOrd="0" parTransId="{ED66F44F-A9C6-4653-82A1-C00A25451F10}" sibTransId="{E03DD07B-E5E4-46D0-A83E-C37BF9592155}"/>
+    <dgm:cxn modelId="{20C627A3-F069-4145-AD42-D366E0C1C0CC}" type="presOf" srcId="{BEA37728-C645-4C80-B8EE-91A8C2D6B972}" destId="{C2E7685E-8C19-48A9-BDC5-1F95FA7B9696}" srcOrd="0" destOrd="0" presId="urn:microsoft.com/office/officeart/2005/8/layout/lProcess1"/>
+    <dgm:cxn modelId="{5182572A-868F-470D-97BB-2A4F0F36D7CB}" type="presOf" srcId="{0EA2FB40-4CED-47F9-B8C0-1C059EAF388E}" destId="{42DBA450-2CDE-44F4-BEAE-0FF103BBB065}" srcOrd="0" destOrd="0" presId="urn:microsoft.com/office/officeart/2005/8/layout/lProcess1"/>
+    <dgm:cxn modelId="{9B94E8C8-77AB-442C-9DF0-BA62B91F3D82}" srcId="{DABEB6FC-CB0D-49D9-A13A-449CDEABFD9E}" destId="{EAEF178B-6756-43B8-99F0-C21FF358D080}" srcOrd="0" destOrd="0" parTransId="{21132A8A-1EBA-4063-9AFC-7A80F7EEACCD}" sibTransId="{CBB58C78-2A97-4B6E-8A6F-85902C28CE36}"/>
+    <dgm:cxn modelId="{52860DCA-F9FE-4A06-8EE0-A40CDD3E6A27}" type="presOf" srcId="{DABEB6FC-CB0D-49D9-A13A-449CDEABFD9E}" destId="{8CF6A270-B4DD-461B-AE00-BBD46BDD8E02}" srcOrd="0" destOrd="0" presId="urn:microsoft.com/office/officeart/2005/8/layout/lProcess1"/>
     <dgm:cxn modelId="{FDC1DC22-C7BE-4E7E-960B-A13681ECDCF5}" type="presOf" srcId="{921BCA78-1D85-49C4-909A-2DFF8E45CBD6}" destId="{90B6F80A-5D68-485A-93EC-B3EF86A841DA}" srcOrd="0" destOrd="0" presId="urn:microsoft.com/office/officeart/2005/8/layout/lProcess1"/>
-    <dgm:cxn modelId="{74B66FA3-6B44-4633-8A67-85F1A5BA55E1}" srcId="{B58EB6F2-8C13-456B-AA51-FD4E175AB0CD}" destId="{DABEB6FC-CB0D-49D9-A13A-449CDEABFD9E}" srcOrd="0" destOrd="0" parTransId="{33DC662A-27A2-448D-86F4-EBBE44C80565}" sibTransId="{45EF0E2E-E026-47F3-B1C5-3843D01C1028}"/>
-    <dgm:cxn modelId="{983B2507-3FA6-4AB7-8001-10121B4F585A}" type="presOf" srcId="{433DB8C3-56E5-4CC6-A210-D2530A806023}" destId="{170CE83A-BB5C-43F0-85DB-67EEE91A72D0}" srcOrd="0" destOrd="0" presId="urn:microsoft.com/office/officeart/2005/8/layout/lProcess1"/>
-    <dgm:cxn modelId="{42BCF77E-D3B6-4576-944A-36B5CCE21F6B}" srcId="{B58EB6F2-8C13-456B-AA51-FD4E175AB0CD}" destId="{D5747108-A03F-4138-B887-981B3EE50A48}" srcOrd="1" destOrd="0" parTransId="{1EA7559E-244E-48E4-BED5-AEED435ADBE8}" sibTransId="{46C3C6F0-EFAE-4C9A-A354-ED51DE02A92E}"/>
-    <dgm:cxn modelId="{52860DCA-F9FE-4A06-8EE0-A40CDD3E6A27}" type="presOf" srcId="{DABEB6FC-CB0D-49D9-A13A-449CDEABFD9E}" destId="{8CF6A270-B4DD-461B-AE00-BBD46BDD8E02}" srcOrd="0" destOrd="0" presId="urn:microsoft.com/office/officeart/2005/8/layout/lProcess1"/>
     <dgm:cxn modelId="{071BE3AC-D2AE-4D40-99D3-885E09686B00}" type="presParOf" srcId="{445410D9-895B-477C-9C3D-BE5C974796B5}" destId="{FD162C62-2EF6-41E8-9AA8-FA2A1A8FD196}" srcOrd="0" destOrd="0" presId="urn:microsoft.com/office/officeart/2005/8/layout/lProcess1"/>
     <dgm:cxn modelId="{6CE75372-1C78-43BB-88CE-61EDDCA21C84}" type="presParOf" srcId="{FD162C62-2EF6-41E8-9AA8-FA2A1A8FD196}" destId="{8CF6A270-B4DD-461B-AE00-BBD46BDD8E02}" srcOrd="0" destOrd="0" presId="urn:microsoft.com/office/officeart/2005/8/layout/lProcess1"/>
     <dgm:cxn modelId="{F3AB4D63-9013-4D05-AF9D-B23F73A2ADD2}" type="presParOf" srcId="{FD162C62-2EF6-41E8-9AA8-FA2A1A8FD196}" destId="{EF609D06-A8B0-4F5F-9F51-7F4255D1C1F0}" srcOrd="1" destOrd="0" presId="urn:microsoft.com/office/officeart/2005/8/layout/lProcess1"/>
@@ -2716,6 +2792,13 @@
         </dgm:presLayoutVars>
       </dgm:prSet>
       <dgm:spPr/>
+      <dgm:t>
+        <a:bodyPr/>
+        <a:lstStyle/>
+        <a:p>
+          <a:endParaRPr lang="cs-CZ"/>
+        </a:p>
+      </dgm:t>
     </dgm:pt>
     <dgm:pt modelId="{FD162C62-2EF6-41E8-9AA8-FA2A1A8FD196}" type="pres">
       <dgm:prSet presAssocID="{DABEB6FC-CB0D-49D9-A13A-449CDEABFD9E}" presName="vertFlow" presStyleCnt="0"/>
@@ -2735,6 +2818,13 @@
     <dgm:pt modelId="{EF609D06-A8B0-4F5F-9F51-7F4255D1C1F0}" type="pres">
       <dgm:prSet presAssocID="{21132A8A-1EBA-4063-9AFC-7A80F7EEACCD}" presName="parTrans" presStyleLbl="sibTrans2D1" presStyleIdx="0" presStyleCnt="5"/>
       <dgm:spPr/>
+      <dgm:t>
+        <a:bodyPr/>
+        <a:lstStyle/>
+        <a:p>
+          <a:endParaRPr lang="cs-CZ"/>
+        </a:p>
+      </dgm:t>
     </dgm:pt>
     <dgm:pt modelId="{B97758EA-17B6-4EF0-BF22-010FB75AA0A2}" type="pres">
       <dgm:prSet presAssocID="{EAEF178B-6756-43B8-99F0-C21FF358D080}" presName="child" presStyleLbl="alignAccFollowNode1" presStyleIdx="0" presStyleCnt="5">
@@ -2755,6 +2845,13 @@
     <dgm:pt modelId="{D2B9B8CF-6F72-42AC-AC6A-C6C6A36A3598}" type="pres">
       <dgm:prSet presAssocID="{CBB58C78-2A97-4B6E-8A6F-85902C28CE36}" presName="sibTrans" presStyleLbl="sibTrans2D1" presStyleIdx="1" presStyleCnt="5"/>
       <dgm:spPr/>
+      <dgm:t>
+        <a:bodyPr/>
+        <a:lstStyle/>
+        <a:p>
+          <a:endParaRPr lang="cs-CZ"/>
+        </a:p>
+      </dgm:t>
     </dgm:pt>
     <dgm:pt modelId="{C2E7685E-8C19-48A9-BDC5-1F95FA7B9696}" type="pres">
       <dgm:prSet presAssocID="{BEA37728-C645-4C80-B8EE-91A8C2D6B972}" presName="child" presStyleLbl="alignAccFollowNode1" presStyleIdx="1" presStyleCnt="5">
@@ -2775,6 +2872,13 @@
     <dgm:pt modelId="{926FECFA-953C-415A-B0F9-BA4899E98B89}" type="pres">
       <dgm:prSet presAssocID="{57EB8F12-DD98-49BF-8681-95B316145CB4}" presName="sibTrans" presStyleLbl="sibTrans2D1" presStyleIdx="2" presStyleCnt="5"/>
       <dgm:spPr/>
+      <dgm:t>
+        <a:bodyPr/>
+        <a:lstStyle/>
+        <a:p>
+          <a:endParaRPr lang="cs-CZ"/>
+        </a:p>
+      </dgm:t>
     </dgm:pt>
     <dgm:pt modelId="{0528410C-C66F-4E05-A854-7B5EF2D86EF9}" type="pres">
       <dgm:prSet presAssocID="{A8FF7A79-0F02-4633-844F-021F201437FD}" presName="child" presStyleLbl="alignAccFollowNode1" presStyleIdx="2" presStyleCnt="5">
@@ -2814,6 +2918,13 @@
     <dgm:pt modelId="{42DBA450-2CDE-44F4-BEAE-0FF103BBB065}" type="pres">
       <dgm:prSet presAssocID="{0EA2FB40-4CED-47F9-B8C0-1C059EAF388E}" presName="parTrans" presStyleLbl="sibTrans2D1" presStyleIdx="3" presStyleCnt="5"/>
       <dgm:spPr/>
+      <dgm:t>
+        <a:bodyPr/>
+        <a:lstStyle/>
+        <a:p>
+          <a:endParaRPr lang="cs-CZ"/>
+        </a:p>
+      </dgm:t>
     </dgm:pt>
     <dgm:pt modelId="{A2BCC874-56E0-4F62-8D44-52D5C4771F54}" type="pres">
       <dgm:prSet presAssocID="{26AFEA52-6ED7-42BA-83EB-BD53F3D6EAC4}" presName="child" presStyleLbl="alignAccFollowNode1" presStyleIdx="3" presStyleCnt="5">
@@ -2834,6 +2945,13 @@
     <dgm:pt modelId="{90B6F80A-5D68-485A-93EC-B3EF86A841DA}" type="pres">
       <dgm:prSet presAssocID="{921BCA78-1D85-49C4-909A-2DFF8E45CBD6}" presName="sibTrans" presStyleLbl="sibTrans2D1" presStyleIdx="4" presStyleCnt="5"/>
       <dgm:spPr/>
+      <dgm:t>
+        <a:bodyPr/>
+        <a:lstStyle/>
+        <a:p>
+          <a:endParaRPr lang="cs-CZ"/>
+        </a:p>
+      </dgm:t>
     </dgm:pt>
     <dgm:pt modelId="{503810FD-D2EE-4193-8318-4844B909A3B1}" type="pres">
       <dgm:prSet presAssocID="{449AC729-5D14-4971-A96F-9A3260B9C32E}" presName="child" presStyleLbl="alignAccFollowNode1" presStyleIdx="4" presStyleCnt="5">
@@ -8539,7 +8657,7 @@
             <a:fld id="{03170175-C3ED-4C72-B085-79CCCD670CC9}" type="datetimeFigureOut">
               <a:rPr lang="en-US" smtClean="0"/>
               <a:pPr/>
-              <a:t>1/22/2012</a:t>
+              <a:t>1/24/2012</a:t>
             </a:fld>
             <a:endParaRPr lang="en-US"/>
           </a:p>
@@ -8685,7 +8803,7 @@
             <a:fld id="{2D9FB51A-E05F-4494-ADA5-A77EAE266FCF}" type="datetimeFigureOut">
               <a:rPr lang="en-US" smtClean="0"/>
               <a:pPr/>
-              <a:t>1/22/2012</a:t>
+              <a:t>1/24/2012</a:t>
             </a:fld>
             <a:endParaRPr lang="en-US"/>
           </a:p>
@@ -9038,7 +9156,7 @@
             <a:fld id="{2D9FB51A-E05F-4494-ADA5-A77EAE266FCF}" type="datetimeFigureOut">
               <a:rPr lang="en-US" smtClean="0"/>
               <a:pPr/>
-              <a:t>1/22/2012</a:t>
+              <a:t>1/24/2012</a:t>
             </a:fld>
             <a:endParaRPr lang="en-US"/>
           </a:p>
@@ -9102,6 +9220,575 @@
           <a:bodyPr/>
           <a:lstStyle/>
           <a:p>
+            <a:endParaRPr lang="en-US"/>
+          </a:p>
+        </p:txBody>
+      </p:sp>
+    </p:spTree>
+  </p:cSld>
+  <p:clrMapOvr>
+    <a:masterClrMapping/>
+  </p:clrMapOvr>
+</p:notes>
+</file>
+
+<file path=ppt/notesSlides/notesSlide10.xml><?xml version="1.0" encoding="utf-8"?>
+<p:notes xmlns:a="http://schemas.openxmlformats.org/drawingml/2006/main" xmlns:r="http://schemas.openxmlformats.org/officeDocument/2006/relationships" xmlns:p="http://schemas.openxmlformats.org/presentationml/2006/main">
+  <p:cSld>
+    <p:spTree>
+      <p:nvGrpSpPr>
+        <p:cNvPr id="1" name=""/>
+        <p:cNvGrpSpPr/>
+        <p:nvPr/>
+      </p:nvGrpSpPr>
+      <p:grpSpPr>
+        <a:xfrm>
+          <a:off x="0" y="0"/>
+          <a:ext cx="0" cy="0"/>
+          <a:chOff x="0" y="0"/>
+          <a:chExt cx="0" cy="0"/>
+        </a:xfrm>
+      </p:grpSpPr>
+      <p:sp>
+        <p:nvSpPr>
+          <p:cNvPr id="2" name="Slide Image Placeholder 1"/>
+          <p:cNvSpPr>
+            <a:spLocks noGrp="1" noRot="1" noChangeAspect="1"/>
+          </p:cNvSpPr>
+          <p:nvPr>
+            <p:ph type="sldImg"/>
+          </p:nvPr>
+        </p:nvSpPr>
+        <p:spPr/>
+      </p:sp>
+      <p:sp>
+        <p:nvSpPr>
+          <p:cNvPr id="3" name="Notes Placeholder 2"/>
+          <p:cNvSpPr>
+            <a:spLocks noGrp="1"/>
+          </p:cNvSpPr>
+          <p:nvPr>
+            <p:ph type="body" idx="1"/>
+          </p:nvPr>
+        </p:nvSpPr>
+        <p:spPr/>
+        <p:txBody>
+          <a:bodyPr>
+            <a:normAutofit/>
+          </a:bodyPr>
+          <a:lstStyle/>
+          <a:p>
+            <a:r>
+              <a:rPr lang="cs-CZ" dirty="0" smtClean="0"/>
+              <a:t>Zaznamená</a:t>
+            </a:r>
+            <a:r>
+              <a:rPr lang="cs-CZ" baseline="0" dirty="0" smtClean="0"/>
+              <a:t> data ukládá profiler do stromových struktur, které odpovídají posloupnosti volání jednotlivých metod.</a:t>
+            </a:r>
+          </a:p>
+          <a:p>
+            <a:r>
+              <a:rPr lang="cs-CZ" baseline="0" dirty="0" smtClean="0"/>
+              <a:t>Každé vlákno má svůj vlastní strom.</a:t>
+            </a:r>
+          </a:p>
+          <a:p>
+            <a:r>
+              <a:rPr lang="cs-CZ" baseline="0" dirty="0" smtClean="0"/>
+              <a:t>Odkaz na aktivní metodu je uložen aby se předešlo zbytečnému prohledávání stromu.</a:t>
+            </a:r>
+          </a:p>
+          <a:p>
+            <a:endParaRPr lang="cs-CZ" baseline="0" dirty="0" smtClean="0"/>
+          </a:p>
+          <a:p>
+            <a:r>
+              <a:rPr lang="cs-CZ" baseline="0" dirty="0" smtClean="0"/>
+              <a:t>Po přenosu stromů a </a:t>
+            </a:r>
+            <a:r>
+              <a:rPr lang="cs-CZ" baseline="0" dirty="0" err="1" smtClean="0"/>
+              <a:t>metadat</a:t>
+            </a:r>
+            <a:r>
+              <a:rPr lang="cs-CZ" baseline="0" dirty="0" smtClean="0"/>
+              <a:t> z profilované aplikace do </a:t>
+            </a:r>
+            <a:r>
+              <a:rPr lang="cs-CZ" baseline="0" dirty="0" err="1" smtClean="0"/>
+              <a:t>profileru</a:t>
+            </a:r>
+            <a:r>
+              <a:rPr lang="cs-CZ" baseline="0" dirty="0" smtClean="0"/>
+              <a:t> se stromy s </a:t>
+            </a:r>
+            <a:r>
+              <a:rPr lang="cs-CZ" baseline="0" dirty="0" err="1" smtClean="0"/>
+              <a:t>metadaty</a:t>
+            </a:r>
+            <a:r>
+              <a:rPr lang="cs-CZ" baseline="0" dirty="0" smtClean="0"/>
+              <a:t> sloučí a vypočítají se výsledné údaje pro jednotlivé metody.</a:t>
+            </a:r>
+            <a:endParaRPr lang="cs-CZ" dirty="0"/>
+          </a:p>
+        </p:txBody>
+      </p:sp>
+      <p:sp>
+        <p:nvSpPr>
+          <p:cNvPr id="4" name="Slide Number Placeholder 3"/>
+          <p:cNvSpPr>
+            <a:spLocks noGrp="1"/>
+          </p:cNvSpPr>
+          <p:nvPr>
+            <p:ph type="sldNum" sz="quarter" idx="10"/>
+          </p:nvPr>
+        </p:nvSpPr>
+        <p:spPr/>
+        <p:txBody>
+          <a:bodyPr/>
+          <a:lstStyle/>
+          <a:p>
+            <a:fld id="{13CD1B0D-083E-4DA2-81AD-16B7E971189E}" type="slidenum">
+              <a:rPr lang="en-US" smtClean="0"/>
+              <a:pPr/>
+              <a:t>10</a:t>
+            </a:fld>
+            <a:endParaRPr lang="en-US"/>
+          </a:p>
+        </p:txBody>
+      </p:sp>
+    </p:spTree>
+  </p:cSld>
+  <p:clrMapOvr>
+    <a:masterClrMapping/>
+  </p:clrMapOvr>
+</p:notes>
+</file>
+
+<file path=ppt/notesSlides/notesSlide11.xml><?xml version="1.0" encoding="utf-8"?>
+<p:notes xmlns:a="http://schemas.openxmlformats.org/drawingml/2006/main" xmlns:r="http://schemas.openxmlformats.org/officeDocument/2006/relationships" xmlns:p="http://schemas.openxmlformats.org/presentationml/2006/main">
+  <p:cSld>
+    <p:spTree>
+      <p:nvGrpSpPr>
+        <p:cNvPr id="1" name=""/>
+        <p:cNvGrpSpPr/>
+        <p:nvPr/>
+      </p:nvGrpSpPr>
+      <p:grpSpPr>
+        <a:xfrm>
+          <a:off x="0" y="0"/>
+          <a:ext cx="0" cy="0"/>
+          <a:chOff x="0" y="0"/>
+          <a:chExt cx="0" cy="0"/>
+        </a:xfrm>
+      </p:grpSpPr>
+      <p:sp>
+        <p:nvSpPr>
+          <p:cNvPr id="2" name="Slide Image Placeholder 1"/>
+          <p:cNvSpPr>
+            <a:spLocks noGrp="1" noRot="1" noChangeAspect="1"/>
+          </p:cNvSpPr>
+          <p:nvPr>
+            <p:ph type="sldImg"/>
+          </p:nvPr>
+        </p:nvSpPr>
+        <p:spPr/>
+      </p:sp>
+      <p:sp>
+        <p:nvSpPr>
+          <p:cNvPr id="3" name="Notes Placeholder 2"/>
+          <p:cNvSpPr>
+            <a:spLocks noGrp="1"/>
+          </p:cNvSpPr>
+          <p:nvPr>
+            <p:ph type="body" idx="1"/>
+          </p:nvPr>
+        </p:nvSpPr>
+        <p:spPr/>
+        <p:txBody>
+          <a:bodyPr>
+            <a:normAutofit/>
+          </a:bodyPr>
+          <a:lstStyle/>
+          <a:p>
+            <a:r>
+              <a:rPr lang="cs-CZ" dirty="0" smtClean="0"/>
+              <a:t>Během implementace byla</a:t>
+            </a:r>
+            <a:r>
+              <a:rPr lang="cs-CZ" baseline="0" dirty="0" smtClean="0"/>
+              <a:t> provedena celá řada optimalizací, které významně zvýšily rychlost </a:t>
+            </a:r>
+            <a:r>
+              <a:rPr lang="cs-CZ" baseline="0" dirty="0" err="1" smtClean="0"/>
+              <a:t>profileru</a:t>
+            </a:r>
+            <a:r>
+              <a:rPr lang="cs-CZ" baseline="0" dirty="0" smtClean="0"/>
+              <a:t> a snížili jeho paměťovou náročnost. </a:t>
+            </a:r>
+          </a:p>
+          <a:p>
+            <a:r>
+              <a:rPr lang="cs-CZ" baseline="0" dirty="0" smtClean="0"/>
+              <a:t>Selektivní profilování – profiler ignoruje metody mimo náš kód, např. metody </a:t>
+            </a:r>
+            <a:r>
+              <a:rPr lang="cs-CZ" baseline="0" dirty="0" err="1" smtClean="0"/>
+              <a:t>frameworku</a:t>
+            </a:r>
+            <a:endParaRPr lang="cs-CZ" baseline="0" dirty="0" smtClean="0"/>
+          </a:p>
+          <a:p>
+            <a:r>
+              <a:rPr lang="cs-CZ" baseline="0" dirty="0" smtClean="0"/>
+              <a:t>Posílání </a:t>
+            </a:r>
+            <a:r>
+              <a:rPr lang="cs-CZ" baseline="0" dirty="0" err="1" smtClean="0"/>
+              <a:t>metadat</a:t>
+            </a:r>
+            <a:r>
+              <a:rPr lang="cs-CZ" baseline="0" dirty="0" smtClean="0"/>
+              <a:t> dat jen jednou – při každém live updatu se posílají </a:t>
+            </a:r>
+            <a:r>
+              <a:rPr lang="cs-CZ" baseline="0" dirty="0" err="1" smtClean="0"/>
+              <a:t>metadata</a:t>
+            </a:r>
+            <a:r>
+              <a:rPr lang="cs-CZ" baseline="0" dirty="0" smtClean="0"/>
+              <a:t> inkrementálně</a:t>
+            </a:r>
+          </a:p>
+          <a:p>
+            <a:r>
+              <a:rPr lang="cs-CZ" baseline="0" dirty="0" smtClean="0"/>
+              <a:t>Díky výměně zásobníku na ukládání zaznamenaných dat za stromové struktury s ukazatelem aktivních prvků jsme dosáhly velkého snížení paměťové náročnosti</a:t>
+            </a:r>
+          </a:p>
+          <a:p>
+            <a:r>
+              <a:rPr lang="cs-CZ" baseline="0" dirty="0" smtClean="0"/>
+              <a:t>Vlákna potřebují během profilování pravidelně přistupovat k datovým strukturám, aby zaznamenali naměřená data. Tyto struktury jsou uloženy v globální asociativní paměti. Takže každý přístup znamenal vyhledání. To jsme vyřešili uložením odkazu na datovou strukturu vlákna do jeho </a:t>
+            </a:r>
+            <a:r>
+              <a:rPr lang="cs-CZ" baseline="0" dirty="0" err="1" smtClean="0"/>
+              <a:t>thread</a:t>
+            </a:r>
+            <a:r>
+              <a:rPr lang="cs-CZ" baseline="0" dirty="0" smtClean="0"/>
+              <a:t> </a:t>
+            </a:r>
+            <a:r>
+              <a:rPr lang="cs-CZ" baseline="0" dirty="0" err="1" smtClean="0"/>
+              <a:t>local</a:t>
+            </a:r>
+            <a:r>
+              <a:rPr lang="cs-CZ" baseline="0" dirty="0" smtClean="0"/>
+              <a:t> </a:t>
+            </a:r>
+            <a:r>
+              <a:rPr lang="cs-CZ" baseline="0" dirty="0" err="1" smtClean="0"/>
+              <a:t>storage</a:t>
+            </a:r>
+            <a:endParaRPr lang="cs-CZ" baseline="0" dirty="0" smtClean="0"/>
+          </a:p>
+          <a:p>
+            <a:endParaRPr lang="cs-CZ" baseline="0" dirty="0" smtClean="0"/>
+          </a:p>
+        </p:txBody>
+      </p:sp>
+      <p:sp>
+        <p:nvSpPr>
+          <p:cNvPr id="4" name="Slide Number Placeholder 3"/>
+          <p:cNvSpPr>
+            <a:spLocks noGrp="1"/>
+          </p:cNvSpPr>
+          <p:nvPr>
+            <p:ph type="sldNum" sz="quarter" idx="10"/>
+          </p:nvPr>
+        </p:nvSpPr>
+        <p:spPr/>
+        <p:txBody>
+          <a:bodyPr/>
+          <a:lstStyle/>
+          <a:p>
+            <a:fld id="{13CD1B0D-083E-4DA2-81AD-16B7E971189E}" type="slidenum">
+              <a:rPr lang="en-US" smtClean="0"/>
+              <a:pPr/>
+              <a:t>11</a:t>
+            </a:fld>
+            <a:endParaRPr lang="en-US"/>
+          </a:p>
+        </p:txBody>
+      </p:sp>
+    </p:spTree>
+  </p:cSld>
+  <p:clrMapOvr>
+    <a:masterClrMapping/>
+  </p:clrMapOvr>
+</p:notes>
+</file>
+
+<file path=ppt/notesSlides/notesSlide12.xml><?xml version="1.0" encoding="utf-8"?>
+<p:notes xmlns:a="http://schemas.openxmlformats.org/drawingml/2006/main" xmlns:r="http://schemas.openxmlformats.org/officeDocument/2006/relationships" xmlns:p="http://schemas.openxmlformats.org/presentationml/2006/main">
+  <p:cSld>
+    <p:spTree>
+      <p:nvGrpSpPr>
+        <p:cNvPr id="1" name=""/>
+        <p:cNvGrpSpPr/>
+        <p:nvPr/>
+      </p:nvGrpSpPr>
+      <p:grpSpPr>
+        <a:xfrm>
+          <a:off x="0" y="0"/>
+          <a:ext cx="0" cy="0"/>
+          <a:chOff x="0" y="0"/>
+          <a:chExt cx="0" cy="0"/>
+        </a:xfrm>
+      </p:grpSpPr>
+      <p:sp>
+        <p:nvSpPr>
+          <p:cNvPr id="2" name="Slide Image Placeholder 1"/>
+          <p:cNvSpPr>
+            <a:spLocks noGrp="1" noRot="1" noChangeAspect="1"/>
+          </p:cNvSpPr>
+          <p:nvPr>
+            <p:ph type="sldImg"/>
+          </p:nvPr>
+        </p:nvSpPr>
+        <p:spPr/>
+      </p:sp>
+      <p:sp>
+        <p:nvSpPr>
+          <p:cNvPr id="3" name="Notes Placeholder 2"/>
+          <p:cNvSpPr>
+            <a:spLocks noGrp="1"/>
+          </p:cNvSpPr>
+          <p:nvPr>
+            <p:ph type="body" idx="1"/>
+          </p:nvPr>
+        </p:nvSpPr>
+        <p:spPr/>
+        <p:txBody>
+          <a:bodyPr>
+            <a:normAutofit/>
+          </a:bodyPr>
+          <a:lstStyle/>
+          <a:p>
+            <a:r>
+              <a:rPr lang="cs-CZ" dirty="0" smtClean="0"/>
+              <a:t>Prezentace video-ukázky.</a:t>
+            </a:r>
+            <a:endParaRPr lang="cs-CZ" dirty="0"/>
+          </a:p>
+        </p:txBody>
+      </p:sp>
+      <p:sp>
+        <p:nvSpPr>
+          <p:cNvPr id="4" name="Slide Number Placeholder 3"/>
+          <p:cNvSpPr>
+            <a:spLocks noGrp="1"/>
+          </p:cNvSpPr>
+          <p:nvPr>
+            <p:ph type="sldNum" sz="quarter" idx="10"/>
+          </p:nvPr>
+        </p:nvSpPr>
+        <p:spPr/>
+        <p:txBody>
+          <a:bodyPr/>
+          <a:lstStyle/>
+          <a:p>
+            <a:fld id="{13CD1B0D-083E-4DA2-81AD-16B7E971189E}" type="slidenum">
+              <a:rPr lang="en-US" smtClean="0"/>
+              <a:pPr/>
+              <a:t>12</a:t>
+            </a:fld>
+            <a:endParaRPr lang="en-US"/>
+          </a:p>
+        </p:txBody>
+      </p:sp>
+    </p:spTree>
+  </p:cSld>
+  <p:clrMapOvr>
+    <a:masterClrMapping/>
+  </p:clrMapOvr>
+</p:notes>
+</file>
+
+<file path=ppt/notesSlides/notesSlide13.xml><?xml version="1.0" encoding="utf-8"?>
+<p:notes xmlns:a="http://schemas.openxmlformats.org/drawingml/2006/main" xmlns:r="http://schemas.openxmlformats.org/officeDocument/2006/relationships" xmlns:p="http://schemas.openxmlformats.org/presentationml/2006/main">
+  <p:cSld>
+    <p:spTree>
+      <p:nvGrpSpPr>
+        <p:cNvPr id="1" name=""/>
+        <p:cNvGrpSpPr/>
+        <p:nvPr/>
+      </p:nvGrpSpPr>
+      <p:grpSpPr>
+        <a:xfrm>
+          <a:off x="0" y="0"/>
+          <a:ext cx="0" cy="0"/>
+          <a:chOff x="0" y="0"/>
+          <a:chExt cx="0" cy="0"/>
+        </a:xfrm>
+      </p:grpSpPr>
+      <p:sp>
+        <p:nvSpPr>
+          <p:cNvPr id="2" name="Slide Image Placeholder 1"/>
+          <p:cNvSpPr>
+            <a:spLocks noGrp="1" noRot="1" noChangeAspect="1"/>
+          </p:cNvSpPr>
+          <p:nvPr>
+            <p:ph type="sldImg"/>
+          </p:nvPr>
+        </p:nvSpPr>
+        <p:spPr/>
+      </p:sp>
+      <p:sp>
+        <p:nvSpPr>
+          <p:cNvPr id="3" name="Notes Placeholder 2"/>
+          <p:cNvSpPr>
+            <a:spLocks noGrp="1"/>
+          </p:cNvSpPr>
+          <p:nvPr>
+            <p:ph type="body" idx="1"/>
+          </p:nvPr>
+        </p:nvSpPr>
+        <p:spPr/>
+        <p:txBody>
+          <a:bodyPr>
+            <a:normAutofit/>
+          </a:bodyPr>
+          <a:lstStyle/>
+          <a:p>
+            <a:r>
+              <a:rPr lang="cs-CZ" dirty="0" smtClean="0"/>
+              <a:t>Toto jsou</a:t>
+            </a:r>
+            <a:r>
+              <a:rPr lang="cs-CZ" baseline="0" dirty="0" smtClean="0"/>
+              <a:t> technologie použité při implementaci </a:t>
+            </a:r>
+            <a:r>
+              <a:rPr lang="cs-CZ" baseline="0" dirty="0" err="1" smtClean="0"/>
+              <a:t>dp</a:t>
+            </a:r>
+            <a:r>
+              <a:rPr lang="cs-CZ" baseline="0" dirty="0" smtClean="0"/>
+              <a:t> práce.</a:t>
+            </a:r>
+          </a:p>
+          <a:p>
+            <a:endParaRPr lang="cs-CZ" dirty="0"/>
+          </a:p>
+        </p:txBody>
+      </p:sp>
+      <p:sp>
+        <p:nvSpPr>
+          <p:cNvPr id="4" name="Slide Number Placeholder 3"/>
+          <p:cNvSpPr>
+            <a:spLocks noGrp="1"/>
+          </p:cNvSpPr>
+          <p:nvPr>
+            <p:ph type="sldNum" sz="quarter" idx="10"/>
+          </p:nvPr>
+        </p:nvSpPr>
+        <p:spPr/>
+        <p:txBody>
+          <a:bodyPr/>
+          <a:lstStyle/>
+          <a:p>
+            <a:fld id="{13CD1B0D-083E-4DA2-81AD-16B7E971189E}" type="slidenum">
+              <a:rPr lang="en-US" smtClean="0"/>
+              <a:pPr/>
+              <a:t>13</a:t>
+            </a:fld>
+            <a:endParaRPr lang="en-US"/>
+          </a:p>
+        </p:txBody>
+      </p:sp>
+    </p:spTree>
+  </p:cSld>
+  <p:clrMapOvr>
+    <a:masterClrMapping/>
+  </p:clrMapOvr>
+</p:notes>
+</file>
+
+<file path=ppt/notesSlides/notesSlide14.xml><?xml version="1.0" encoding="utf-8"?>
+<p:notes xmlns:a="http://schemas.openxmlformats.org/drawingml/2006/main" xmlns:r="http://schemas.openxmlformats.org/officeDocument/2006/relationships" xmlns:p="http://schemas.openxmlformats.org/presentationml/2006/main">
+  <p:cSld>
+    <p:spTree>
+      <p:nvGrpSpPr>
+        <p:cNvPr id="1" name=""/>
+        <p:cNvGrpSpPr/>
+        <p:nvPr/>
+      </p:nvGrpSpPr>
+      <p:grpSpPr>
+        <a:xfrm>
+          <a:off x="0" y="0"/>
+          <a:ext cx="0" cy="0"/>
+          <a:chOff x="0" y="0"/>
+          <a:chExt cx="0" cy="0"/>
+        </a:xfrm>
+      </p:grpSpPr>
+      <p:sp>
+        <p:nvSpPr>
+          <p:cNvPr id="2" name="Slide Image Placeholder 1"/>
+          <p:cNvSpPr>
+            <a:spLocks noGrp="1" noRot="1" noChangeAspect="1"/>
+          </p:cNvSpPr>
+          <p:nvPr>
+            <p:ph type="sldImg"/>
+          </p:nvPr>
+        </p:nvSpPr>
+        <p:spPr/>
+      </p:sp>
+      <p:sp>
+        <p:nvSpPr>
+          <p:cNvPr id="3" name="Notes Placeholder 2"/>
+          <p:cNvSpPr>
+            <a:spLocks noGrp="1"/>
+          </p:cNvSpPr>
+          <p:nvPr>
+            <p:ph type="body" idx="1"/>
+          </p:nvPr>
+        </p:nvSpPr>
+        <p:spPr/>
+        <p:txBody>
+          <a:bodyPr>
+            <a:normAutofit/>
+          </a:bodyPr>
+          <a:lstStyle/>
+          <a:p>
+            <a:endParaRPr lang="cs-CZ" dirty="0"/>
+          </a:p>
+        </p:txBody>
+      </p:sp>
+      <p:sp>
+        <p:nvSpPr>
+          <p:cNvPr id="4" name="Slide Number Placeholder 3"/>
+          <p:cNvSpPr>
+            <a:spLocks noGrp="1"/>
+          </p:cNvSpPr>
+          <p:nvPr>
+            <p:ph type="sldNum" sz="quarter" idx="10"/>
+          </p:nvPr>
+        </p:nvSpPr>
+        <p:spPr/>
+        <p:txBody>
+          <a:bodyPr/>
+          <a:lstStyle/>
+          <a:p>
+            <a:fld id="{13CD1B0D-083E-4DA2-81AD-16B7E971189E}" type="slidenum">
+              <a:rPr lang="en-US" smtClean="0"/>
+              <a:pPr/>
+              <a:t>14</a:t>
+            </a:fld>
             <a:endParaRPr lang="en-US"/>
           </a:p>
         </p:txBody>
@@ -9411,7 +10098,7 @@
             <a:fld id="{2D9FB51A-E05F-4494-ADA5-A77EAE266FCF}" type="datetimeFigureOut">
               <a:rPr lang="en-US" smtClean="0"/>
               <a:pPr/>
-              <a:t>1/22/2012</a:t>
+              <a:t>1/24/2012</a:t>
             </a:fld>
             <a:endParaRPr lang="en-US"/>
           </a:p>
@@ -9587,7 +10274,7 @@
             <a:fld id="{2D9FB51A-E05F-4494-ADA5-A77EAE266FCF}" type="datetimeFigureOut">
               <a:rPr lang="en-US" smtClean="0"/>
               <a:pPr/>
-              <a:t>1/22/2012</a:t>
+              <a:t>1/24/2012</a:t>
             </a:fld>
             <a:endParaRPr lang="en-US"/>
           </a:p>
@@ -10045,15 +10732,7 @@
           <a:p>
             <a:r>
               <a:rPr lang="cs-CZ" baseline="0" dirty="0" smtClean="0"/>
-              <a:t>Popsat </a:t>
-            </a:r>
-            <a:r>
-              <a:rPr lang="cs-CZ" baseline="0" dirty="0" err="1" smtClean="0"/>
-              <a:t>obrazek</a:t>
-            </a:r>
-            <a:r>
-              <a:rPr lang="cs-CZ" baseline="0" dirty="0" smtClean="0"/>
-              <a:t>. Na tomto diagramu vidíme </a:t>
+              <a:t>Popsat obrázek. Na tomto diagramu vidíme </a:t>
             </a:r>
             <a:r>
               <a:rPr lang="cs-CZ" baseline="0" dirty="0" err="1" smtClean="0"/>
@@ -10158,7 +10837,7 @@
             </a:r>
             <a:r>
               <a:rPr lang="cs-CZ" baseline="0" dirty="0" smtClean="0"/>
-              <a:t> Studia 2010 jsme vytvořili instalační baliček, který přidal do menu příkazy pro spuštění </a:t>
+              <a:t> Studia 2010 jsme vytvořili instalační baliček, který přidá do menu příkazy pro spuštění </a:t>
             </a:r>
             <a:r>
               <a:rPr lang="cs-CZ" baseline="0" dirty="0" err="1" smtClean="0"/>
@@ -10166,15 +10845,7 @@
             </a:r>
             <a:r>
               <a:rPr lang="cs-CZ" baseline="0" dirty="0" smtClean="0"/>
-              <a:t>, okno zobrazující výsledky profilovaní a funkci na </a:t>
-            </a:r>
-            <a:r>
-              <a:rPr lang="cs-CZ" baseline="0" smtClean="0"/>
-              <a:t>zvýraznění problémového </a:t>
-            </a:r>
-            <a:r>
-              <a:rPr lang="cs-CZ" baseline="0" dirty="0" smtClean="0"/>
-              <a:t>kódu </a:t>
+              <a:t>, okno zobrazující výsledky profilovaní a funkci na zvýraznění problémového kódu podle výsledku profilování</a:t>
             </a:r>
             <a:endParaRPr lang="cs-CZ" dirty="0"/>
           </a:p>
@@ -10199,6 +10870,122 @@
               <a:rPr lang="en-US" smtClean="0"/>
               <a:pPr/>
               <a:t>8</a:t>
+            </a:fld>
+            <a:endParaRPr lang="en-US"/>
+          </a:p>
+        </p:txBody>
+      </p:sp>
+    </p:spTree>
+  </p:cSld>
+  <p:clrMapOvr>
+    <a:masterClrMapping/>
+  </p:clrMapOvr>
+</p:notes>
+</file>
+
+<file path=ppt/notesSlides/notesSlide9.xml><?xml version="1.0" encoding="utf-8"?>
+<p:notes xmlns:a="http://schemas.openxmlformats.org/drawingml/2006/main" xmlns:r="http://schemas.openxmlformats.org/officeDocument/2006/relationships" xmlns:p="http://schemas.openxmlformats.org/presentationml/2006/main">
+  <p:cSld>
+    <p:spTree>
+      <p:nvGrpSpPr>
+        <p:cNvPr id="1" name=""/>
+        <p:cNvGrpSpPr/>
+        <p:nvPr/>
+      </p:nvGrpSpPr>
+      <p:grpSpPr>
+        <a:xfrm>
+          <a:off x="0" y="0"/>
+          <a:ext cx="0" cy="0"/>
+          <a:chOff x="0" y="0"/>
+          <a:chExt cx="0" cy="0"/>
+        </a:xfrm>
+      </p:grpSpPr>
+      <p:sp>
+        <p:nvSpPr>
+          <p:cNvPr id="2" name="Slide Image Placeholder 1"/>
+          <p:cNvSpPr>
+            <a:spLocks noGrp="1" noRot="1" noChangeAspect="1"/>
+          </p:cNvSpPr>
+          <p:nvPr>
+            <p:ph type="sldImg"/>
+          </p:nvPr>
+        </p:nvSpPr>
+        <p:spPr/>
+      </p:sp>
+      <p:sp>
+        <p:nvSpPr>
+          <p:cNvPr id="3" name="Notes Placeholder 2"/>
+          <p:cNvSpPr>
+            <a:spLocks noGrp="1"/>
+          </p:cNvSpPr>
+          <p:nvPr>
+            <p:ph type="body" idx="1"/>
+          </p:nvPr>
+        </p:nvSpPr>
+        <p:spPr/>
+        <p:txBody>
+          <a:bodyPr>
+            <a:normAutofit/>
+          </a:bodyPr>
+          <a:lstStyle/>
+          <a:p>
+            <a:r>
+              <a:rPr lang="cs-CZ" dirty="0" smtClean="0"/>
+              <a:t>Popsat</a:t>
+            </a:r>
+            <a:r>
+              <a:rPr lang="cs-CZ" baseline="0" dirty="0" smtClean="0"/>
+              <a:t> obarvení kódu</a:t>
+            </a:r>
+          </a:p>
+          <a:p>
+            <a:r>
+              <a:rPr lang="cs-CZ" baseline="0" dirty="0" smtClean="0"/>
+              <a:t>Vztah mezi sloupci a obarvením</a:t>
+            </a:r>
+          </a:p>
+          <a:p>
+            <a:r>
+              <a:rPr lang="cs-CZ" baseline="0" dirty="0" smtClean="0"/>
+              <a:t>Seřazené metody</a:t>
+            </a:r>
+          </a:p>
+          <a:p>
+            <a:r>
+              <a:rPr lang="cs-CZ" baseline="0" dirty="0" smtClean="0"/>
+              <a:t>Zdůraznit, ze </a:t>
+            </a:r>
+            <a:r>
+              <a:rPr lang="cs-CZ" baseline="0" dirty="0" err="1" smtClean="0"/>
+              <a:t>mandelbrot</a:t>
+            </a:r>
+            <a:r>
+              <a:rPr lang="cs-CZ" baseline="0" dirty="0" smtClean="0"/>
+              <a:t> je profilovaná aplikace</a:t>
+            </a:r>
+            <a:endParaRPr lang="cs-CZ" dirty="0"/>
+          </a:p>
+        </p:txBody>
+      </p:sp>
+      <p:sp>
+        <p:nvSpPr>
+          <p:cNvPr id="4" name="Slide Number Placeholder 3"/>
+          <p:cNvSpPr>
+            <a:spLocks noGrp="1"/>
+          </p:cNvSpPr>
+          <p:nvPr>
+            <p:ph type="sldNum" sz="quarter" idx="10"/>
+          </p:nvPr>
+        </p:nvSpPr>
+        <p:spPr/>
+        <p:txBody>
+          <a:bodyPr/>
+          <a:lstStyle/>
+          <a:p>
+            <a:fld id="{13CD1B0D-083E-4DA2-81AD-16B7E971189E}" type="slidenum">
+              <a:rPr lang="en-US" smtClean="0"/>
+              <a:pPr/>
+              <a:t>9</a:t>
             </a:fld>
             <a:endParaRPr lang="en-US"/>
           </a:p>
@@ -10388,7 +11175,7 @@
             <a:fld id="{2B10AB5E-65B2-470F-A90D-8944CCF2250D}" type="datetime2">
               <a:rPr lang="en-US" smtClean="0"/>
               <a:pPr/>
-              <a:t>Sunday, January 22, 2012</a:t>
+              <a:t>Tuesday, January 24, 2012</a:t>
             </a:fld>
             <a:endParaRPr lang="en-US"/>
           </a:p>
@@ -10568,7 +11355,7 @@
             <a:fld id="{B5F4066D-E18E-46CA-ADDB-DC7D9F287FCD}" type="datetime2">
               <a:rPr lang="en-US" smtClean="0"/>
               <a:pPr/>
-              <a:t>Sunday, January 22, 2012</a:t>
+              <a:t>Tuesday, January 24, 2012</a:t>
             </a:fld>
             <a:endParaRPr lang="en-US"/>
           </a:p>
@@ -10698,7 +11485,7 @@
             <a:fld id="{8E2E5AB2-AD30-4274-ADEE-77A916493B5C}" type="datetime2">
               <a:rPr lang="en-US" smtClean="0"/>
               <a:pPr/>
-              <a:t>Sunday, January 22, 2012</a:t>
+              <a:t>Tuesday, January 24, 2012</a:t>
             </a:fld>
             <a:endParaRPr lang="en-US"/>
           </a:p>
@@ -10790,7 +11577,7 @@
             <a:fld id="{79C76396-5064-41C5-A285-015EE0047001}" type="datetime2">
               <a:rPr lang="en-US" smtClean="0"/>
               <a:pPr/>
-              <a:t>Sunday, January 22, 2012</a:t>
+              <a:t>Tuesday, January 24, 2012</a:t>
             </a:fld>
             <a:endParaRPr lang="en-US"/>
           </a:p>
@@ -11023,7 +11810,7 @@
             <a:fld id="{F83034B0-3E89-40BA-B086-97296A422E36}" type="datetimeFigureOut">
               <a:rPr lang="en-US" smtClean="0"/>
               <a:pPr/>
-              <a:t>1/22/2012</a:t>
+              <a:t>1/24/2012</a:t>
             </a:fld>
             <a:endParaRPr lang="en-US"/>
           </a:p>
@@ -11200,7 +11987,7 @@
             <a:fld id="{F83034B0-3E89-40BA-B086-97296A422E36}" type="datetimeFigureOut">
               <a:rPr lang="en-US" smtClean="0"/>
               <a:pPr/>
-              <a:t>1/22/2012</a:t>
+              <a:t>1/24/2012</a:t>
             </a:fld>
             <a:endParaRPr lang="en-US"/>
           </a:p>
@@ -11433,7 +12220,7 @@
             <a:fld id="{F83034B0-3E89-40BA-B086-97296A422E36}" type="datetimeFigureOut">
               <a:rPr lang="en-US" smtClean="0"/>
               <a:pPr/>
-              <a:t>1/22/2012</a:t>
+              <a:t>1/24/2012</a:t>
             </a:fld>
             <a:endParaRPr lang="en-US"/>
           </a:p>
@@ -11661,7 +12448,7 @@
             <a:fld id="{4C8A7A92-D244-4C94-97DC-00C50A8E32A7}" type="datetime2">
               <a:rPr lang="en-US" smtClean="0"/>
               <a:pPr algn="l"/>
-              <a:t>Sunday, January 22, 2012</a:t>
+              <a:t>Tuesday, January 24, 2012</a:t>
             </a:fld>
             <a:endParaRPr lang="en-US" dirty="0">
               <a:solidFill>
@@ -12250,10 +13037,6 @@
               <a:rPr lang="cs-CZ" sz="3200" dirty="0" smtClean="0"/>
               <a:t>Bc. Jan Vratislav </a:t>
             </a:r>
-            <a:r>
-              <a:rPr lang="cs-CZ" sz="3200" dirty="0" smtClean="0"/>
-              <a:t/>
-            </a:r>
             <a:br>
               <a:rPr lang="cs-CZ" sz="3200" dirty="0" smtClean="0"/>
             </a:br>
@@ -12389,6 +13172,755 @@
 </p:sld>
 </file>
 
+<file path=ppt/slides/slide10.xml><?xml version="1.0" encoding="utf-8"?>
+<p:sld xmlns:a="http://schemas.openxmlformats.org/drawingml/2006/main" xmlns:r="http://schemas.openxmlformats.org/officeDocument/2006/relationships" xmlns:p="http://schemas.openxmlformats.org/presentationml/2006/main">
+  <p:cSld>
+    <p:spTree>
+      <p:nvGrpSpPr>
+        <p:cNvPr id="1" name=""/>
+        <p:cNvGrpSpPr/>
+        <p:nvPr/>
+      </p:nvGrpSpPr>
+      <p:grpSpPr>
+        <a:xfrm>
+          <a:off x="0" y="0"/>
+          <a:ext cx="0" cy="0"/>
+          <a:chOff x="0" y="0"/>
+          <a:chExt cx="0" cy="0"/>
+        </a:xfrm>
+      </p:grpSpPr>
+      <p:sp>
+        <p:nvSpPr>
+          <p:cNvPr id="2" name="Title 1"/>
+          <p:cNvSpPr>
+            <a:spLocks noGrp="1"/>
+          </p:cNvSpPr>
+          <p:nvPr>
+            <p:ph type="title"/>
+          </p:nvPr>
+        </p:nvSpPr>
+        <p:spPr/>
+        <p:txBody>
+          <a:bodyPr/>
+          <a:lstStyle/>
+          <a:p>
+            <a:r>
+              <a:rPr lang="cs-CZ" dirty="0" smtClean="0"/>
+              <a:t>Některé Vnitřní datové struktury</a:t>
+            </a:r>
+            <a:endParaRPr lang="cs-CZ" dirty="0"/>
+          </a:p>
+        </p:txBody>
+      </p:sp>
+      <p:sp>
+        <p:nvSpPr>
+          <p:cNvPr id="3" name="Text Placeholder 2"/>
+          <p:cNvSpPr>
+            <a:spLocks noGrp="1"/>
+          </p:cNvSpPr>
+          <p:nvPr>
+            <p:ph type="body" idx="1"/>
+          </p:nvPr>
+        </p:nvSpPr>
+        <p:spPr/>
+        <p:txBody>
+          <a:bodyPr/>
+          <a:lstStyle/>
+          <a:p>
+            <a:r>
+              <a:rPr lang="cs-CZ" dirty="0" smtClean="0"/>
+              <a:t>Stromy hierarchie volání</a:t>
+            </a:r>
+          </a:p>
+          <a:p>
+            <a:endParaRPr lang="cs-CZ" dirty="0" smtClean="0"/>
+          </a:p>
+          <a:p>
+            <a:endParaRPr lang="cs-CZ" dirty="0" smtClean="0"/>
+          </a:p>
+          <a:p>
+            <a:endParaRPr lang="cs-CZ" dirty="0" smtClean="0"/>
+          </a:p>
+          <a:p>
+            <a:r>
+              <a:rPr lang="cs-CZ" dirty="0" smtClean="0"/>
+              <a:t>Sloučení stromů a výpočet výsledných dat </a:t>
+            </a:r>
+            <a:endParaRPr lang="cs-CZ" dirty="0"/>
+          </a:p>
+        </p:txBody>
+      </p:sp>
+      <p:pic>
+        <p:nvPicPr>
+          <p:cNvPr id="2050" name="Picture 2" descr="D:\Honzik\Desktop\visual-profiler\Thesis\Images\04TracingCallTreeActiveElem.png"/>
+          <p:cNvPicPr>
+            <a:picLocks noChangeAspect="1" noChangeArrowheads="1"/>
+          </p:cNvPicPr>
+          <p:nvPr/>
+        </p:nvPicPr>
+        <p:blipFill>
+          <a:blip r:embed="rId3" cstate="print"/>
+          <a:srcRect/>
+          <a:stretch>
+            <a:fillRect/>
+          </a:stretch>
+        </p:blipFill>
+        <p:spPr bwMode="auto">
+          <a:xfrm>
+            <a:off x="2915816" y="2132856"/>
+            <a:ext cx="2814637" cy="1681163"/>
+          </a:xfrm>
+          <a:prstGeom prst="rect">
+            <a:avLst/>
+          </a:prstGeom>
+          <a:noFill/>
+        </p:spPr>
+      </p:pic>
+      <p:pic>
+        <p:nvPicPr>
+          <p:cNvPr id="2051" name="Picture 3" descr="D:\Honzik\Desktop\visual-profiler\Thesis\Images\05TransformationOfTrees.png"/>
+          <p:cNvPicPr>
+            <a:picLocks noChangeAspect="1" noChangeArrowheads="1"/>
+          </p:cNvPicPr>
+          <p:nvPr/>
+        </p:nvPicPr>
+        <p:blipFill>
+          <a:blip r:embed="rId4" cstate="print"/>
+          <a:srcRect/>
+          <a:stretch>
+            <a:fillRect/>
+          </a:stretch>
+        </p:blipFill>
+        <p:spPr bwMode="auto">
+          <a:xfrm>
+            <a:off x="1475656" y="4463876"/>
+            <a:ext cx="6423025" cy="2349500"/>
+          </a:xfrm>
+          <a:prstGeom prst="rect">
+            <a:avLst/>
+          </a:prstGeom>
+          <a:noFill/>
+        </p:spPr>
+      </p:pic>
+    </p:spTree>
+  </p:cSld>
+  <p:clrMapOvr>
+    <a:masterClrMapping/>
+  </p:clrMapOvr>
+  <p:timing>
+    <p:tnLst>
+      <p:par>
+        <p:cTn id="1" dur="indefinite" restart="never" nodeType="tmRoot"/>
+      </p:par>
+    </p:tnLst>
+  </p:timing>
+</p:sld>
+</file>
+
+<file path=ppt/slides/slide11.xml><?xml version="1.0" encoding="utf-8"?>
+<p:sld xmlns:a="http://schemas.openxmlformats.org/drawingml/2006/main" xmlns:r="http://schemas.openxmlformats.org/officeDocument/2006/relationships" xmlns:p="http://schemas.openxmlformats.org/presentationml/2006/main">
+  <p:cSld>
+    <p:spTree>
+      <p:nvGrpSpPr>
+        <p:cNvPr id="1" name=""/>
+        <p:cNvGrpSpPr/>
+        <p:nvPr/>
+      </p:nvGrpSpPr>
+      <p:grpSpPr>
+        <a:xfrm>
+          <a:off x="0" y="0"/>
+          <a:ext cx="0" cy="0"/>
+          <a:chOff x="0" y="0"/>
+          <a:chExt cx="0" cy="0"/>
+        </a:xfrm>
+      </p:grpSpPr>
+      <p:sp>
+        <p:nvSpPr>
+          <p:cNvPr id="2" name="Title 1"/>
+          <p:cNvSpPr>
+            <a:spLocks noGrp="1"/>
+          </p:cNvSpPr>
+          <p:nvPr>
+            <p:ph type="title"/>
+          </p:nvPr>
+        </p:nvSpPr>
+        <p:spPr/>
+        <p:txBody>
+          <a:bodyPr>
+            <a:normAutofit/>
+          </a:bodyPr>
+          <a:lstStyle/>
+          <a:p>
+            <a:r>
+              <a:rPr lang="cs-CZ" dirty="0" smtClean="0"/>
+              <a:t>Optimalizace</a:t>
+            </a:r>
+            <a:endParaRPr lang="cs-CZ" dirty="0"/>
+          </a:p>
+        </p:txBody>
+      </p:sp>
+      <p:sp>
+        <p:nvSpPr>
+          <p:cNvPr id="3" name="Text Placeholder 2"/>
+          <p:cNvSpPr>
+            <a:spLocks noGrp="1"/>
+          </p:cNvSpPr>
+          <p:nvPr>
+            <p:ph type="body" idx="1"/>
+          </p:nvPr>
+        </p:nvSpPr>
+        <p:spPr/>
+        <p:txBody>
+          <a:bodyPr/>
+          <a:lstStyle/>
+          <a:p>
+            <a:r>
+              <a:rPr lang="cs-CZ" dirty="0" smtClean="0"/>
+              <a:t>Selektivní profilování</a:t>
+            </a:r>
+          </a:p>
+          <a:p>
+            <a:r>
+              <a:rPr lang="cs-CZ" dirty="0" smtClean="0"/>
+              <a:t>Posílání </a:t>
+            </a:r>
+            <a:r>
+              <a:rPr lang="cs-CZ" dirty="0" err="1" smtClean="0"/>
+              <a:t>metadat</a:t>
+            </a:r>
+            <a:r>
+              <a:rPr lang="cs-CZ" dirty="0" smtClean="0"/>
+              <a:t> dat jen jednou</a:t>
+            </a:r>
+          </a:p>
+          <a:p>
+            <a:r>
+              <a:rPr lang="cs-CZ" dirty="0" smtClean="0"/>
+              <a:t>Několikanásobně zrychlení a snížení paměťové náročnosti záznamu dat (přechod od zásobníků ke stromům)</a:t>
+            </a:r>
+          </a:p>
+          <a:p>
+            <a:r>
+              <a:rPr lang="cs-CZ" dirty="0" smtClean="0"/>
+              <a:t>Využití lokálních vláknových proměnných pro přístup k datovým strukturám</a:t>
+            </a:r>
+          </a:p>
+          <a:p>
+            <a:pPr>
+              <a:buNone/>
+            </a:pPr>
+            <a:endParaRPr lang="cs-CZ" dirty="0" smtClean="0"/>
+          </a:p>
+        </p:txBody>
+      </p:sp>
+    </p:spTree>
+  </p:cSld>
+  <p:clrMapOvr>
+    <a:masterClrMapping/>
+  </p:clrMapOvr>
+  <p:timing>
+    <p:tnLst>
+      <p:par>
+        <p:cTn id="1" dur="indefinite" restart="never" nodeType="tmRoot"/>
+      </p:par>
+    </p:tnLst>
+  </p:timing>
+</p:sld>
+</file>
+
+<file path=ppt/slides/slide12.xml><?xml version="1.0" encoding="utf-8"?>
+<p:sld xmlns:a="http://schemas.openxmlformats.org/drawingml/2006/main" xmlns:r="http://schemas.openxmlformats.org/officeDocument/2006/relationships" xmlns:p="http://schemas.openxmlformats.org/presentationml/2006/main">
+  <p:cSld>
+    <p:spTree>
+      <p:nvGrpSpPr>
+        <p:cNvPr id="1" name=""/>
+        <p:cNvGrpSpPr/>
+        <p:nvPr/>
+      </p:nvGrpSpPr>
+      <p:grpSpPr>
+        <a:xfrm>
+          <a:off x="0" y="0"/>
+          <a:ext cx="0" cy="0"/>
+          <a:chOff x="0" y="0"/>
+          <a:chExt cx="0" cy="0"/>
+        </a:xfrm>
+      </p:grpSpPr>
+      <p:sp>
+        <p:nvSpPr>
+          <p:cNvPr id="2" name="Title 1"/>
+          <p:cNvSpPr>
+            <a:spLocks noGrp="1"/>
+          </p:cNvSpPr>
+          <p:nvPr>
+            <p:ph type="title"/>
+          </p:nvPr>
+        </p:nvSpPr>
+        <p:spPr/>
+        <p:txBody>
+          <a:bodyPr/>
+          <a:lstStyle/>
+          <a:p>
+            <a:r>
+              <a:rPr lang="cs-CZ" dirty="0" smtClean="0"/>
+              <a:t>Video ukázka</a:t>
+            </a:r>
+            <a:endParaRPr lang="cs-CZ" dirty="0"/>
+          </a:p>
+        </p:txBody>
+      </p:sp>
+      <p:sp>
+        <p:nvSpPr>
+          <p:cNvPr id="3" name="Text Placeholder 2"/>
+          <p:cNvSpPr>
+            <a:spLocks noGrp="1"/>
+          </p:cNvSpPr>
+          <p:nvPr>
+            <p:ph type="body" idx="1"/>
+          </p:nvPr>
+        </p:nvSpPr>
+        <p:spPr/>
+        <p:txBody>
+          <a:bodyPr/>
+          <a:lstStyle/>
+          <a:p>
+            <a:r>
+              <a:rPr lang="cs-CZ" dirty="0" smtClean="0">
+                <a:hlinkClick r:id="rId4"/>
+              </a:rPr>
+              <a:t>http://www.</a:t>
+            </a:r>
+            <a:r>
+              <a:rPr lang="cs-CZ" dirty="0" err="1" smtClean="0">
+                <a:hlinkClick r:id="rId4"/>
+              </a:rPr>
+              <a:t>youtube.com</a:t>
+            </a:r>
+            <a:r>
+              <a:rPr lang="cs-CZ" dirty="0" smtClean="0">
+                <a:hlinkClick r:id="rId4"/>
+              </a:rPr>
+              <a:t>/</a:t>
+            </a:r>
+            <a:r>
+              <a:rPr lang="cs-CZ" dirty="0" err="1" smtClean="0">
+                <a:hlinkClick r:id="rId4"/>
+              </a:rPr>
+              <a:t>watch</a:t>
+            </a:r>
+            <a:r>
+              <a:rPr lang="cs-CZ" dirty="0" smtClean="0">
+                <a:hlinkClick r:id="rId4"/>
+              </a:rPr>
+              <a:t>?v=_</a:t>
+            </a:r>
+            <a:r>
+              <a:rPr lang="cs-CZ" dirty="0" err="1" smtClean="0">
+                <a:hlinkClick r:id="rId4"/>
+              </a:rPr>
+              <a:t>IRkdeGGtJo</a:t>
+            </a:r>
+            <a:endParaRPr lang="cs-CZ" dirty="0"/>
+          </a:p>
+        </p:txBody>
+      </p:sp>
+      <p:pic>
+        <p:nvPicPr>
+          <p:cNvPr id="4" name="visual profiler.mp4">
+            <a:hlinkClick r:id="" action="ppaction://media"/>
+          </p:cNvPr>
+          <p:cNvPicPr>
+            <a:picLocks noRot="1" noChangeAspect="1"/>
+          </p:cNvPicPr>
+          <p:nvPr>
+            <a:videoFile r:link="rId1"/>
+          </p:nvPr>
+        </p:nvPicPr>
+        <p:blipFill>
+          <a:blip r:embed="rId5" cstate="print"/>
+          <a:stretch>
+            <a:fillRect/>
+          </a:stretch>
+        </p:blipFill>
+        <p:spPr>
+          <a:xfrm>
+            <a:off x="3048000" y="2286000"/>
+            <a:ext cx="3048000" cy="2286000"/>
+          </a:xfrm>
+          <a:prstGeom prst="rect">
+            <a:avLst/>
+          </a:prstGeom>
+        </p:spPr>
+      </p:pic>
+    </p:spTree>
+  </p:cSld>
+  <p:clrMapOvr>
+    <a:masterClrMapping/>
+  </p:clrMapOvr>
+  <p:timing>
+    <p:tnLst>
+      <p:par>
+        <p:cTn id="1" dur="indefinite" restart="never" nodeType="tmRoot">
+          <p:childTnLst>
+            <p:seq concurrent="1" nextAc="seek">
+              <p:cTn id="2" restart="whenNotActive" fill="hold" evtFilter="cancelBubble" nodeType="interactiveSeq">
+                <p:stCondLst>
+                  <p:cond evt="onClick" delay="0">
+                    <p:tgtEl>
+                      <p:spTgt spid="4"/>
+                    </p:tgtEl>
+                  </p:cond>
+                </p:stCondLst>
+                <p:endSync evt="end" delay="0">
+                  <p:rtn val="all"/>
+                </p:endSync>
+                <p:childTnLst>
+                  <p:par>
+                    <p:cTn id="3" fill="hold">
+                      <p:stCondLst>
+                        <p:cond delay="0"/>
+                      </p:stCondLst>
+                      <p:childTnLst>
+                        <p:par>
+                          <p:cTn id="4" fill="hold">
+                            <p:stCondLst>
+                              <p:cond delay="0"/>
+                            </p:stCondLst>
+                            <p:childTnLst>
+                              <p:par>
+                                <p:cTn id="5" presetID="2" presetClass="mediacall" presetSubtype="0" fill="hold" nodeType="clickEffect">
+                                  <p:stCondLst>
+                                    <p:cond delay="0"/>
+                                  </p:stCondLst>
+                                  <p:childTnLst>
+                                    <p:cmd type="call" cmd="togglePause">
+                                      <p:cBhvr>
+                                        <p:cTn id="6" dur="1" fill="hold"/>
+                                        <p:tgtEl>
+                                          <p:spTgt spid="4"/>
+                                        </p:tgtEl>
+                                      </p:cBhvr>
+                                    </p:cmd>
+                                  </p:childTnLst>
+                                </p:cTn>
+                              </p:par>
+                            </p:childTnLst>
+                          </p:cTn>
+                        </p:par>
+                      </p:childTnLst>
+                    </p:cTn>
+                  </p:par>
+                </p:childTnLst>
+              </p:cTn>
+              <p:nextCondLst>
+                <p:cond evt="onClick" delay="0">
+                  <p:tgtEl>
+                    <p:spTgt spid="4"/>
+                  </p:tgtEl>
+                </p:cond>
+              </p:nextCondLst>
+            </p:seq>
+            <p:video fullScrn="1">
+              <p:cMediaNode>
+                <p:cTn id="7" fill="hold" display="0">
+                  <p:stCondLst>
+                    <p:cond delay="indefinite"/>
+                  </p:stCondLst>
+                  <p:endCondLst>
+                    <p:cond evt="onNext" delay="0">
+                      <p:tgtEl>
+                        <p:sldTgt/>
+                      </p:tgtEl>
+                    </p:cond>
+                    <p:cond evt="onPrev" delay="0">
+                      <p:tgtEl>
+                        <p:sldTgt/>
+                      </p:tgtEl>
+                    </p:cond>
+                  </p:endCondLst>
+                </p:cTn>
+                <p:tgtEl>
+                  <p:spTgt spid="4"/>
+                </p:tgtEl>
+              </p:cMediaNode>
+            </p:video>
+          </p:childTnLst>
+        </p:cTn>
+      </p:par>
+    </p:tnLst>
+  </p:timing>
+</p:sld>
+</file>
+
+<file path=ppt/slides/slide13.xml><?xml version="1.0" encoding="utf-8"?>
+<p:sld xmlns:a="http://schemas.openxmlformats.org/drawingml/2006/main" xmlns:r="http://schemas.openxmlformats.org/officeDocument/2006/relationships" xmlns:p="http://schemas.openxmlformats.org/presentationml/2006/main">
+  <p:cSld>
+    <p:spTree>
+      <p:nvGrpSpPr>
+        <p:cNvPr id="1" name=""/>
+        <p:cNvGrpSpPr/>
+        <p:nvPr/>
+      </p:nvGrpSpPr>
+      <p:grpSpPr>
+        <a:xfrm>
+          <a:off x="0" y="0"/>
+          <a:ext cx="0" cy="0"/>
+          <a:chOff x="0" y="0"/>
+          <a:chExt cx="0" cy="0"/>
+        </a:xfrm>
+      </p:grpSpPr>
+      <p:sp>
+        <p:nvSpPr>
+          <p:cNvPr id="2" name="Title 1"/>
+          <p:cNvSpPr>
+            <a:spLocks noGrp="1"/>
+          </p:cNvSpPr>
+          <p:nvPr>
+            <p:ph type="title"/>
+          </p:nvPr>
+        </p:nvSpPr>
+        <p:spPr/>
+        <p:txBody>
+          <a:bodyPr/>
+          <a:lstStyle/>
+          <a:p>
+            <a:r>
+              <a:rPr lang="en-US" dirty="0" smtClean="0"/>
+              <a:t>N</a:t>
+            </a:r>
+            <a:r>
+              <a:rPr lang="cs-CZ" dirty="0" err="1" smtClean="0"/>
+              <a:t>ěkolik</a:t>
+            </a:r>
+            <a:r>
+              <a:rPr lang="cs-CZ" dirty="0" smtClean="0"/>
+              <a:t> Použitých technologií</a:t>
+            </a:r>
+            <a:endParaRPr lang="cs-CZ" dirty="0"/>
+          </a:p>
+        </p:txBody>
+      </p:sp>
+      <p:sp>
+        <p:nvSpPr>
+          <p:cNvPr id="3" name="Text Placeholder 2"/>
+          <p:cNvSpPr>
+            <a:spLocks noGrp="1"/>
+          </p:cNvSpPr>
+          <p:nvPr>
+            <p:ph type="body" idx="1"/>
+          </p:nvPr>
+        </p:nvSpPr>
+        <p:spPr/>
+        <p:txBody>
+          <a:bodyPr/>
+          <a:lstStyle/>
+          <a:p>
+            <a:r>
+              <a:rPr lang="cs-CZ" dirty="0" smtClean="0"/>
+              <a:t>Assembler, C++, COM, ATL, </a:t>
+            </a:r>
+            <a:r>
+              <a:rPr lang="cs-CZ" dirty="0" err="1" smtClean="0"/>
+              <a:t>Profiling</a:t>
+            </a:r>
+            <a:r>
+              <a:rPr lang="cs-CZ" dirty="0" smtClean="0"/>
+              <a:t> API, Win32 API, </a:t>
+            </a:r>
+            <a:r>
+              <a:rPr lang="cs-CZ" dirty="0" err="1" smtClean="0"/>
+              <a:t>Named</a:t>
+            </a:r>
+            <a:r>
+              <a:rPr lang="cs-CZ" dirty="0" smtClean="0"/>
+              <a:t> </a:t>
+            </a:r>
+            <a:r>
+              <a:rPr lang="cs-CZ" dirty="0" err="1" smtClean="0"/>
+              <a:t>pipes</a:t>
+            </a:r>
+            <a:r>
+              <a:rPr lang="cs-CZ" dirty="0" smtClean="0"/>
+              <a:t>, </a:t>
+            </a:r>
+            <a:r>
+              <a:rPr lang="en-US" dirty="0" smtClean="0"/>
+              <a:t>.NET, </a:t>
+            </a:r>
+            <a:r>
+              <a:rPr lang="cs-CZ" dirty="0" smtClean="0"/>
+              <a:t>C</a:t>
+            </a:r>
+            <a:r>
+              <a:rPr lang="en-US" dirty="0" smtClean="0"/>
+              <a:t>#,</a:t>
+            </a:r>
+            <a:r>
+              <a:rPr lang="cs-CZ" dirty="0" smtClean="0"/>
+              <a:t> </a:t>
+            </a:r>
+            <a:r>
+              <a:rPr lang="cs-CZ" dirty="0" err="1" smtClean="0"/>
+              <a:t>Ninject</a:t>
+            </a:r>
+            <a:r>
+              <a:rPr lang="cs-CZ" dirty="0" smtClean="0"/>
+              <a:t>, </a:t>
+            </a:r>
+            <a:r>
+              <a:rPr lang="cs-CZ" dirty="0" err="1" smtClean="0"/>
+              <a:t>Linq</a:t>
+            </a:r>
+            <a:r>
+              <a:rPr lang="cs-CZ" dirty="0" smtClean="0"/>
+              <a:t>,</a:t>
+            </a:r>
+            <a:r>
+              <a:rPr lang="en-US" dirty="0" smtClean="0"/>
+              <a:t> </a:t>
+            </a:r>
+            <a:r>
+              <a:rPr lang="en-US" dirty="0" err="1" smtClean="0"/>
+              <a:t>NUnit</a:t>
+            </a:r>
+            <a:r>
+              <a:rPr lang="en-US" dirty="0" smtClean="0"/>
+              <a:t>, </a:t>
+            </a:r>
+            <a:r>
+              <a:rPr lang="en-US" dirty="0" err="1" smtClean="0"/>
+              <a:t>Moq</a:t>
+            </a:r>
+            <a:r>
+              <a:rPr lang="en-US" dirty="0" smtClean="0"/>
+              <a:t>, WPF, XAML, Visual Studio 2010</a:t>
+            </a:r>
+            <a:r>
+              <a:rPr lang="cs-CZ" dirty="0" smtClean="0"/>
+              <a:t> </a:t>
+            </a:r>
+            <a:r>
+              <a:rPr lang="cs-CZ" dirty="0" err="1" smtClean="0"/>
+              <a:t>Extension</a:t>
+            </a:r>
+            <a:r>
+              <a:rPr lang="cs-CZ" dirty="0" smtClean="0"/>
+              <a:t> API, VSIX </a:t>
+            </a:r>
+            <a:r>
+              <a:rPr lang="cs-CZ" dirty="0" err="1" smtClean="0"/>
+              <a:t>packages</a:t>
+            </a:r>
+            <a:r>
+              <a:rPr lang="cs-CZ" dirty="0" smtClean="0"/>
+              <a:t>, MEF…</a:t>
+            </a:r>
+          </a:p>
+        </p:txBody>
+      </p:sp>
+    </p:spTree>
+  </p:cSld>
+  <p:clrMapOvr>
+    <a:masterClrMapping/>
+  </p:clrMapOvr>
+  <p:timing>
+    <p:tnLst>
+      <p:par>
+        <p:cTn id="1" dur="indefinite" restart="never" nodeType="tmRoot"/>
+      </p:par>
+    </p:tnLst>
+  </p:timing>
+</p:sld>
+</file>
+
+<file path=ppt/slides/slide14.xml><?xml version="1.0" encoding="utf-8"?>
+<p:sld xmlns:a="http://schemas.openxmlformats.org/drawingml/2006/main" xmlns:r="http://schemas.openxmlformats.org/officeDocument/2006/relationships" xmlns:p="http://schemas.openxmlformats.org/presentationml/2006/main">
+  <p:cSld>
+    <p:spTree>
+      <p:nvGrpSpPr>
+        <p:cNvPr id="1" name=""/>
+        <p:cNvGrpSpPr/>
+        <p:nvPr/>
+      </p:nvGrpSpPr>
+      <p:grpSpPr>
+        <a:xfrm>
+          <a:off x="0" y="0"/>
+          <a:ext cx="0" cy="0"/>
+          <a:chOff x="0" y="0"/>
+          <a:chExt cx="0" cy="0"/>
+        </a:xfrm>
+      </p:grpSpPr>
+      <p:sp>
+        <p:nvSpPr>
+          <p:cNvPr id="2" name="Title 1"/>
+          <p:cNvSpPr>
+            <a:spLocks noGrp="1"/>
+          </p:cNvSpPr>
+          <p:nvPr>
+            <p:ph type="title"/>
+          </p:nvPr>
+        </p:nvSpPr>
+        <p:spPr/>
+        <p:txBody>
+          <a:bodyPr/>
+          <a:lstStyle/>
+          <a:p>
+            <a:r>
+              <a:rPr lang="cs-CZ" dirty="0" smtClean="0"/>
+              <a:t>Závěr a Prostor pro Otázky</a:t>
+            </a:r>
+            <a:endParaRPr lang="cs-CZ" dirty="0"/>
+          </a:p>
+        </p:txBody>
+      </p:sp>
+      <p:sp>
+        <p:nvSpPr>
+          <p:cNvPr id="3" name="Text Placeholder 2"/>
+          <p:cNvSpPr>
+            <a:spLocks noGrp="1"/>
+          </p:cNvSpPr>
+          <p:nvPr>
+            <p:ph type="body" idx="1"/>
+          </p:nvPr>
+        </p:nvSpPr>
+        <p:spPr/>
+        <p:txBody>
+          <a:bodyPr/>
+          <a:lstStyle/>
+          <a:p>
+            <a:r>
+              <a:rPr lang="cs-CZ" dirty="0" smtClean="0"/>
+              <a:t>Děkuji za pozornost.</a:t>
+            </a:r>
+          </a:p>
+          <a:p>
+            <a:r>
+              <a:rPr lang="cs-CZ" dirty="0" smtClean="0"/>
+              <a:t>Rád nyní zodpovím Vaše otázky.</a:t>
+            </a:r>
+          </a:p>
+          <a:p>
+            <a:pPr>
+              <a:buNone/>
+            </a:pPr>
+            <a:endParaRPr lang="cs-CZ" dirty="0"/>
+          </a:p>
+        </p:txBody>
+      </p:sp>
+    </p:spTree>
+  </p:cSld>
+  <p:clrMapOvr>
+    <a:masterClrMapping/>
+  </p:clrMapOvr>
+  <p:timing>
+    <p:tnLst>
+      <p:par>
+        <p:cTn id="1" dur="indefinite" restart="never" nodeType="tmRoot"/>
+      </p:par>
+    </p:tnLst>
+  </p:timing>
+</p:sld>
+</file>
+
 <file path=ppt/slides/slide2.xml><?xml version="1.0" encoding="utf-8"?>
 <p:sld xmlns:a="http://schemas.openxmlformats.org/drawingml/2006/main" xmlns:r="http://schemas.openxmlformats.org/officeDocument/2006/relationships" xmlns:p="http://schemas.openxmlformats.org/presentationml/2006/main">
   <p:cSld>
@@ -12452,7 +13984,19 @@
           <a:p>
             <a:r>
               <a:rPr lang="cs-CZ" dirty="0" smtClean="0"/>
-              <a:t>Sleduje se čestnost volání a trvání jednotlivých částí programu</a:t>
+              <a:t>Sleduje </a:t>
+            </a:r>
+            <a:r>
+              <a:rPr lang="cs-CZ" smtClean="0"/>
+              <a:t>se </a:t>
+            </a:r>
+            <a:r>
+              <a:rPr lang="cs-CZ" smtClean="0"/>
+              <a:t>četnost </a:t>
+            </a:r>
+            <a:r>
+              <a:rPr lang="cs-CZ" dirty="0" smtClean="0"/>
+              <a:t>volání a trvání jednotlivých částí programu</a:t>
             </a:r>
           </a:p>
           <a:p>
@@ -12816,7 +14360,6 @@
               <a:rPr lang="cs-CZ" dirty="0" smtClean="0"/>
               <a:t>Analýza principů výkonového profilování</a:t>
             </a:r>
-            <a:endParaRPr lang="cs-CZ" dirty="0" smtClean="0"/>
           </a:p>
           <a:p>
             <a:r>
@@ -13025,6 +14568,13 @@
   <p:clrMapOvr>
     <a:masterClrMapping/>
   </p:clrMapOvr>
+  <p:timing>
+    <p:tnLst>
+      <p:par>
+        <p:cTn id="1" dur="indefinite" restart="never" nodeType="tmRoot"/>
+      </p:par>
+    </p:tnLst>
+  </p:timing>
 </p:sld>
 </file>
 
@@ -13112,6 +14662,13 @@
   <p:clrMapOvr>
     <a:masterClrMapping/>
   </p:clrMapOvr>
+  <p:timing>
+    <p:tnLst>
+      <p:par>
+        <p:cTn id="1" dur="indefinite" restart="never" nodeType="tmRoot"/>
+      </p:par>
+    </p:tnLst>
+  </p:timing>
 </p:sld>
 </file>
 
@@ -13176,7 +14733,15 @@
           <a:p>
             <a:r>
               <a:rPr lang="cs-CZ" dirty="0" smtClean="0"/>
-              <a:t>Dvě části</a:t>
+              <a:t>Dvě </a:t>
+            </a:r>
+            <a:r>
+              <a:rPr lang="cs-CZ" dirty="0" err="1" smtClean="0"/>
+              <a:t>samostané</a:t>
+            </a:r>
+            <a:r>
+              <a:rPr lang="cs-CZ" dirty="0" smtClean="0"/>
+              <a:t> části</a:t>
             </a:r>
           </a:p>
           <a:p>
@@ -13212,7 +14777,7 @@
         </p:blipFill>
         <p:spPr bwMode="auto">
           <a:xfrm>
-            <a:off x="2987824" y="3002459"/>
+            <a:off x="5364088" y="2924944"/>
             <a:ext cx="3290607" cy="3810917"/>
           </a:xfrm>
           <a:prstGeom prst="rect">
@@ -13221,6 +14786,67 @@
           <a:noFill/>
         </p:spPr>
       </p:pic>
+      <p:pic>
+        <p:nvPicPr>
+          <p:cNvPr id="3074" name="Picture 2" descr="D:\Honzik\Desktop\visual-profiler\Thesis\Images\04bufferSctruct.png"/>
+          <p:cNvPicPr>
+            <a:picLocks noChangeAspect="1" noChangeArrowheads="1"/>
+          </p:cNvPicPr>
+          <p:nvPr/>
+        </p:nvPicPr>
+        <p:blipFill>
+          <a:blip r:embed="rId4" cstate="print"/>
+          <a:srcRect/>
+          <a:stretch>
+            <a:fillRect/>
+          </a:stretch>
+        </p:blipFill>
+        <p:spPr bwMode="auto">
+          <a:xfrm>
+            <a:off x="251520" y="4509120"/>
+            <a:ext cx="4681267" cy="648072"/>
+          </a:xfrm>
+          <a:prstGeom prst="rect">
+            <a:avLst/>
+          </a:prstGeom>
+          <a:noFill/>
+        </p:spPr>
+      </p:pic>
+      <p:cxnSp>
+        <p:nvCxnSpPr>
+          <p:cNvPr id="7" name="Straight Arrow Connector 6"/>
+          <p:cNvCxnSpPr>
+            <a:stCxn id="3074" idx="3"/>
+          </p:cNvCxnSpPr>
+          <p:nvPr/>
+        </p:nvCxnSpPr>
+        <p:spPr>
+          <a:xfrm>
+            <a:off x="4932787" y="4833156"/>
+            <a:ext cx="1943469" cy="36004"/>
+          </a:xfrm>
+          <a:prstGeom prst="straightConnector1">
+            <a:avLst/>
+          </a:prstGeom>
+          <a:ln>
+            <a:tailEnd type="arrow"/>
+          </a:ln>
+        </p:spPr>
+        <p:style>
+          <a:lnRef idx="1">
+            <a:schemeClr val="accent1"/>
+          </a:lnRef>
+          <a:fillRef idx="0">
+            <a:schemeClr val="accent1"/>
+          </a:fillRef>
+          <a:effectRef idx="0">
+            <a:schemeClr val="accent1"/>
+          </a:effectRef>
+          <a:fontRef idx="minor">
+            <a:schemeClr val="tx1"/>
+          </a:fontRef>
+        </p:style>
+      </p:cxnSp>
     </p:spTree>
   </p:cSld>
   <p:clrMapOvr>
@@ -13342,6 +14968,123 @@
   <p:clrMapOvr>
     <a:masterClrMapping/>
   </p:clrMapOvr>
+  <p:timing>
+    <p:tnLst>
+      <p:par>
+        <p:cTn id="1" dur="indefinite" restart="never" nodeType="tmRoot"/>
+      </p:par>
+    </p:tnLst>
+  </p:timing>
+</p:sld>
+</file>
+
+<file path=ppt/slides/slide9.xml><?xml version="1.0" encoding="utf-8"?>
+<p:sld xmlns:a="http://schemas.openxmlformats.org/drawingml/2006/main" xmlns:r="http://schemas.openxmlformats.org/officeDocument/2006/relationships" xmlns:p="http://schemas.openxmlformats.org/presentationml/2006/main">
+  <p:cSld>
+    <p:spTree>
+      <p:nvGrpSpPr>
+        <p:cNvPr id="1" name=""/>
+        <p:cNvGrpSpPr/>
+        <p:nvPr/>
+      </p:nvGrpSpPr>
+      <p:grpSpPr>
+        <a:xfrm>
+          <a:off x="0" y="0"/>
+          <a:ext cx="0" cy="0"/>
+          <a:chOff x="0" y="0"/>
+          <a:chExt cx="0" cy="0"/>
+        </a:xfrm>
+      </p:grpSpPr>
+      <p:sp>
+        <p:nvSpPr>
+          <p:cNvPr id="2" name="Title 1"/>
+          <p:cNvSpPr>
+            <a:spLocks noGrp="1"/>
+          </p:cNvSpPr>
+          <p:nvPr>
+            <p:ph type="title"/>
+          </p:nvPr>
+        </p:nvSpPr>
+        <p:spPr/>
+        <p:txBody>
+          <a:bodyPr/>
+          <a:lstStyle/>
+          <a:p>
+            <a:r>
+              <a:rPr lang="cs-CZ" dirty="0" smtClean="0"/>
+              <a:t>Integrace do </a:t>
+            </a:r>
+            <a:r>
+              <a:rPr lang="cs-CZ" dirty="0" err="1" smtClean="0"/>
+              <a:t>visual</a:t>
+            </a:r>
+            <a:r>
+              <a:rPr lang="cs-CZ" dirty="0" smtClean="0"/>
+              <a:t> studia 2010</a:t>
+            </a:r>
+            <a:endParaRPr lang="cs-CZ" dirty="0"/>
+          </a:p>
+        </p:txBody>
+      </p:sp>
+      <p:sp>
+        <p:nvSpPr>
+          <p:cNvPr id="3" name="Text Placeholder 2"/>
+          <p:cNvSpPr>
+            <a:spLocks noGrp="1"/>
+          </p:cNvSpPr>
+          <p:nvPr>
+            <p:ph type="body" idx="1"/>
+          </p:nvPr>
+        </p:nvSpPr>
+        <p:spPr/>
+        <p:txBody>
+          <a:bodyPr/>
+          <a:lstStyle/>
+          <a:p>
+            <a:endParaRPr lang="cs-CZ"/>
+          </a:p>
+        </p:txBody>
+      </p:sp>
+      <p:pic>
+        <p:nvPicPr>
+          <p:cNvPr id="1027" name="Picture 3" descr="D:\Honzik\Desktop\visual-profiler\Thesis\Images\Appendix\Screenshots\05Running.png"/>
+          <p:cNvPicPr>
+            <a:picLocks noChangeAspect="1" noChangeArrowheads="1"/>
+          </p:cNvPicPr>
+          <p:nvPr/>
+        </p:nvPicPr>
+        <p:blipFill>
+          <a:blip r:embed="rId3" cstate="print"/>
+          <a:stretch>
+            <a:fillRect/>
+          </a:stretch>
+        </p:blipFill>
+        <p:spPr bwMode="auto">
+          <a:xfrm>
+            <a:off x="1259632" y="1412776"/>
+            <a:ext cx="6912768" cy="5229399"/>
+          </a:xfrm>
+          <a:prstGeom prst="rect">
+            <a:avLst/>
+          </a:prstGeom>
+          <a:noFill/>
+          <a:ln>
+            <a:noFill/>
+          </a:ln>
+        </p:spPr>
+      </p:pic>
+    </p:spTree>
+  </p:cSld>
+  <p:clrMapOvr>
+    <a:masterClrMapping/>
+  </p:clrMapOvr>
+  <p:timing>
+    <p:tnLst>
+      <p:par>
+        <p:cTn id="1" dur="indefinite" restart="never" nodeType="tmRoot"/>
+      </p:par>
+    </p:tnLst>
+  </p:timing>
 </p:sld>
 </file>
 
